--- a/Phase2_Project_Presentation_DJackson.pptx
+++ b/Phase2_Project_Presentation_DJackson.pptx
@@ -5,7 +5,7 @@
     <p:sldMasterId id="2147484173" r:id="rId1"/>
   </p:sldMasterIdLst>
   <p:notesMasterIdLst>
-    <p:notesMasterId r:id="rId13"/>
+    <p:notesMasterId r:id="rId14"/>
   </p:notesMasterIdLst>
   <p:sldIdLst>
     <p:sldId id="256" r:id="rId2"/>
@@ -14,11 +14,12 @@
     <p:sldId id="270" r:id="rId5"/>
     <p:sldId id="269" r:id="rId6"/>
     <p:sldId id="261" r:id="rId7"/>
-    <p:sldId id="266" r:id="rId8"/>
-    <p:sldId id="272" r:id="rId9"/>
+    <p:sldId id="272" r:id="rId8"/>
+    <p:sldId id="266" r:id="rId9"/>
     <p:sldId id="273" r:id="rId10"/>
     <p:sldId id="274" r:id="rId11"/>
-    <p:sldId id="264" r:id="rId12"/>
+    <p:sldId id="275" r:id="rId12"/>
+    <p:sldId id="264" r:id="rId13"/>
   </p:sldIdLst>
   <p:sldSz cx="9144000" cy="5143500" type="screen16x9"/>
   <p:notesSz cx="6858000" cy="9144000"/>
@@ -820,6 +821,115 @@
   <p:cSld>
     <p:spTree>
       <p:nvGrpSpPr>
+        <p:cNvPr id="1" name="Shape 97"/>
+        <p:cNvGrpSpPr/>
+        <p:nvPr/>
+      </p:nvGrpSpPr>
+      <p:grpSpPr>
+        <a:xfrm>
+          <a:off x="0" y="0"/>
+          <a:ext cx="0" cy="0"/>
+          <a:chOff x="0" y="0"/>
+          <a:chExt cx="0" cy="0"/>
+        </a:xfrm>
+      </p:grpSpPr>
+      <p:sp>
+        <p:nvSpPr>
+          <p:cNvPr id="98" name="Google Shape;98;g8a55b5f358_0_81:notes"/>
+          <p:cNvSpPr>
+            <a:spLocks noGrp="1" noRot="1" noChangeAspect="1"/>
+          </p:cNvSpPr>
+          <p:nvPr>
+            <p:ph type="sldImg" idx="2"/>
+          </p:nvPr>
+        </p:nvSpPr>
+        <p:spPr>
+          <a:xfrm>
+            <a:off x="381000" y="685800"/>
+            <a:ext cx="6096000" cy="3429000"/>
+          </a:xfrm>
+          <a:custGeom>
+            <a:avLst/>
+            <a:gdLst/>
+            <a:ahLst/>
+            <a:cxnLst/>
+            <a:rect l="l" t="t" r="r" b="b"/>
+            <a:pathLst>
+              <a:path w="120000" h="120000" extrusionOk="0">
+                <a:moveTo>
+                  <a:pt x="0" y="0"/>
+                </a:moveTo>
+                <a:lnTo>
+                  <a:pt x="120000" y="0"/>
+                </a:lnTo>
+                <a:lnTo>
+                  <a:pt x="120000" y="120000"/>
+                </a:lnTo>
+                <a:lnTo>
+                  <a:pt x="0" y="120000"/>
+                </a:lnTo>
+                <a:close/>
+              </a:path>
+            </a:pathLst>
+          </a:custGeom>
+        </p:spPr>
+      </p:sp>
+      <p:sp>
+        <p:nvSpPr>
+          <p:cNvPr id="99" name="Google Shape;99;g8a55b5f358_0_81:notes"/>
+          <p:cNvSpPr txBox="1">
+            <a:spLocks noGrp="1"/>
+          </p:cNvSpPr>
+          <p:nvPr>
+            <p:ph type="body" idx="1"/>
+          </p:nvPr>
+        </p:nvSpPr>
+        <p:spPr>
+          <a:xfrm>
+            <a:off x="685800" y="4343400"/>
+            <a:ext cx="5486400" cy="4114800"/>
+          </a:xfrm>
+          <a:prstGeom prst="rect">
+            <a:avLst/>
+          </a:prstGeom>
+        </p:spPr>
+        <p:txBody>
+          <a:bodyPr spcFirstLastPara="1" wrap="square" lIns="91425" tIns="91425" rIns="91425" bIns="91425" anchor="t" anchorCtr="0">
+            <a:noAutofit/>
+          </a:bodyPr>
+          <a:lstStyle/>
+          <a:p>
+            <a:pPr marL="0" lvl="0" indent="0" algn="l" rtl="0">
+              <a:spcBef>
+                <a:spcPts val="0"/>
+              </a:spcBef>
+              <a:spcAft>
+                <a:spcPts val="0"/>
+              </a:spcAft>
+              <a:buNone/>
+            </a:pPr>
+            <a:endParaRPr dirty="0"/>
+          </a:p>
+        </p:txBody>
+      </p:sp>
+    </p:spTree>
+    <p:extLst>
+      <p:ext uri="{BB962C8B-B14F-4D97-AF65-F5344CB8AC3E}">
+        <p14:creationId xmlns:p14="http://schemas.microsoft.com/office/powerpoint/2010/main" val="1585339800"/>
+      </p:ext>
+    </p:extLst>
+  </p:cSld>
+  <p:clrMapOvr>
+    <a:masterClrMapping/>
+  </p:clrMapOvr>
+</p:notes>
+</file>
+
+<file path=ppt/notesSlides/notesSlide11.xml><?xml version="1.0" encoding="utf-8"?>
+<p:notes xmlns:a="http://schemas.openxmlformats.org/drawingml/2006/main" xmlns:r="http://schemas.openxmlformats.org/officeDocument/2006/relationships" xmlns:p="http://schemas.openxmlformats.org/presentationml/2006/main" showMasterSp="0" showMasterPhAnim="0">
+  <p:cSld>
+    <p:spTree>
+      <p:nvGrpSpPr>
         <p:cNvPr id="1" name="Shape 103"/>
         <p:cNvGrpSpPr/>
         <p:nvPr/>
@@ -1328,18 +1438,6 @@
               </a:spcAft>
               <a:buNone/>
             </a:pPr>
-            <a:r>
-              <a:rPr lang="en-US" dirty="0"/>
-              <a:t>The modified condition and grades were chosen as an objective goal. The thought was to give home owner incentives to improve upon their property, even if they do not reach the desired criteria. These predictions will serve as samples for the real estate agents to understand the benefit of real estate data analysis. Because home value can depend on the surrounding community, grouping the homes for predictions by </a:t>
-            </a:r>
-            <a:r>
-              <a:rPr lang="en-US" dirty="0" err="1"/>
-              <a:t>zipcodes</a:t>
-            </a:r>
-            <a:r>
-              <a:rPr lang="en-US" dirty="0"/>
-              <a:t> helps the agent target a specific community for an extra benefit.</a:t>
-            </a:r>
             <a:endParaRPr dirty="0"/>
           </a:p>
         </p:txBody>
@@ -1451,7 +1549,7 @@
     </p:spTree>
     <p:extLst>
       <p:ext uri="{BB962C8B-B14F-4D97-AF65-F5344CB8AC3E}">
-        <p14:creationId xmlns:p14="http://schemas.microsoft.com/office/powerpoint/2010/main" val="1334056921"/>
+        <p14:creationId xmlns:p14="http://schemas.microsoft.com/office/powerpoint/2010/main" val="431140720"/>
       </p:ext>
     </p:extLst>
   </p:cSld>
@@ -1560,7 +1658,7 @@
     </p:spTree>
     <p:extLst>
       <p:ext uri="{BB962C8B-B14F-4D97-AF65-F5344CB8AC3E}">
-        <p14:creationId xmlns:p14="http://schemas.microsoft.com/office/powerpoint/2010/main" val="431140720"/>
+        <p14:creationId xmlns:p14="http://schemas.microsoft.com/office/powerpoint/2010/main" val="1334056921"/>
       </p:ext>
     </p:extLst>
   </p:cSld>
@@ -2156,391 +2254,6 @@
               </a:spcAft>
               <a:buNone/>
             </a:pPr>
-            <a:r>
-              <a:rPr lang="en-US" dirty="0"/>
-              <a:t>**Limited dataset:**</a:t>
-            </a:r>
-          </a:p>
-          <a:p>
-            <a:pPr marL="0" lvl="0" indent="0" algn="l" rtl="0">
-              <a:spcBef>
-                <a:spcPts val="0"/>
-              </a:spcBef>
-              <a:spcAft>
-                <a:spcPts val="0"/>
-              </a:spcAft>
-              <a:buNone/>
-            </a:pPr>
-            <a:r>
-              <a:rPr lang="en-US" dirty="0"/>
-              <a:t>    - The full dataset was filtered and scoped due to limited resources.  There were attributes (features) in the dataset that would have supported a more accurate and model.</a:t>
-            </a:r>
-          </a:p>
-          <a:p>
-            <a:pPr marL="0" lvl="0" indent="0" algn="l" rtl="0">
-              <a:spcBef>
-                <a:spcPts val="0"/>
-              </a:spcBef>
-              <a:spcAft>
-                <a:spcPts val="0"/>
-              </a:spcAft>
-              <a:buNone/>
-            </a:pPr>
-            <a:r>
-              <a:rPr lang="en-US" dirty="0"/>
-              <a:t>    - Dataset does not take into account </a:t>
-            </a:r>
-            <a:r>
-              <a:rPr lang="en-US" dirty="0" err="1"/>
-              <a:t>aesthietics</a:t>
-            </a:r>
-            <a:r>
-              <a:rPr lang="en-US" dirty="0"/>
-              <a:t>. There are no features or pictures evaluating this aspect.</a:t>
-            </a:r>
-          </a:p>
-          <a:p>
-            <a:pPr marL="0" lvl="0" indent="0" algn="l" rtl="0">
-              <a:spcBef>
-                <a:spcPts val="0"/>
-              </a:spcBef>
-              <a:spcAft>
-                <a:spcPts val="0"/>
-              </a:spcAft>
-              <a:buNone/>
-            </a:pPr>
-            <a:r>
-              <a:rPr lang="en-US" dirty="0"/>
-              <a:t>- **Unknown realistic "Condition" and "Grade" values:**</a:t>
-            </a:r>
-          </a:p>
-          <a:p>
-            <a:pPr marL="0" lvl="0" indent="0" algn="l" rtl="0">
-              <a:spcBef>
-                <a:spcPts val="0"/>
-              </a:spcBef>
-              <a:spcAft>
-                <a:spcPts val="0"/>
-              </a:spcAft>
-              <a:buNone/>
-            </a:pPr>
-            <a:r>
-              <a:rPr lang="en-US" dirty="0"/>
-              <a:t>    - Lack of knowledge on knowing </a:t>
-            </a:r>
-            <a:r>
-              <a:rPr lang="en-US" dirty="0" err="1"/>
-              <a:t>whata</a:t>
-            </a:r>
-            <a:r>
-              <a:rPr lang="en-US" dirty="0"/>
-              <a:t> realistic increase in "condition" and "grade" would be from the baseline. All chosen instances in the dataset were increased to the same values. It may be unrealistic to have a home in poor condition and below minimum building </a:t>
-            </a:r>
-            <a:r>
-              <a:rPr lang="en-US" dirty="0" err="1"/>
-              <a:t>stards</a:t>
-            </a:r>
-            <a:r>
-              <a:rPr lang="en-US" dirty="0"/>
-              <a:t> actually increase to "good" in both.</a:t>
-            </a:r>
-          </a:p>
-          <a:p>
-            <a:pPr marL="0" lvl="0" indent="0" algn="l" rtl="0">
-              <a:spcBef>
-                <a:spcPts val="0"/>
-              </a:spcBef>
-              <a:spcAft>
-                <a:spcPts val="0"/>
-              </a:spcAft>
-              <a:buNone/>
-            </a:pPr>
-            <a:r>
-              <a:rPr lang="en-US" dirty="0"/>
-              <a:t>- **Unknown affects on other variables:**</a:t>
-            </a:r>
-          </a:p>
-          <a:p>
-            <a:pPr marL="0" lvl="0" indent="0" algn="l" rtl="0">
-              <a:spcBef>
-                <a:spcPts val="0"/>
-              </a:spcBef>
-              <a:spcAft>
-                <a:spcPts val="0"/>
-              </a:spcAft>
-              <a:buNone/>
-            </a:pPr>
-            <a:r>
-              <a:rPr lang="en-US" dirty="0"/>
-              <a:t>    - The "condition" and "grade" </a:t>
-            </a:r>
-            <a:r>
-              <a:rPr lang="en-US" dirty="0" err="1"/>
-              <a:t>feeatures</a:t>
-            </a:r>
-            <a:r>
-              <a:rPr lang="en-US" dirty="0"/>
-              <a:t> </a:t>
-            </a:r>
-            <a:r>
-              <a:rPr lang="en-US" dirty="0" err="1"/>
-              <a:t>wree</a:t>
-            </a:r>
-            <a:r>
-              <a:rPr lang="en-US" dirty="0"/>
-              <a:t> the only ones modified from the </a:t>
-            </a:r>
-            <a:r>
-              <a:rPr lang="en-US" dirty="0" err="1"/>
-              <a:t>intial</a:t>
-            </a:r>
-            <a:r>
-              <a:rPr lang="en-US" dirty="0"/>
-              <a:t> dataset. Home improvements would definitely affect those features. However, home improvements done on a home might also affect features like </a:t>
-            </a:r>
-            <a:r>
-              <a:rPr lang="en-US" dirty="0" err="1"/>
-              <a:t>sqft_living</a:t>
-            </a:r>
-            <a:r>
-              <a:rPr lang="en-US" dirty="0"/>
-              <a:t>, floors, bathrooms or bedrooms in some way. </a:t>
-            </a:r>
-          </a:p>
-          <a:p>
-            <a:pPr marL="0" lvl="0" indent="0" algn="l" rtl="0">
-              <a:spcBef>
-                <a:spcPts val="0"/>
-              </a:spcBef>
-              <a:spcAft>
-                <a:spcPts val="0"/>
-              </a:spcAft>
-              <a:buNone/>
-            </a:pPr>
-            <a:r>
-              <a:rPr lang="en-US" dirty="0"/>
-              <a:t>- **Communal effects:**</a:t>
-            </a:r>
-          </a:p>
-          <a:p>
-            <a:pPr marL="0" lvl="0" indent="0" algn="l" rtl="0">
-              <a:spcBef>
-                <a:spcPts val="0"/>
-              </a:spcBef>
-              <a:spcAft>
-                <a:spcPts val="0"/>
-              </a:spcAft>
-              <a:buNone/>
-            </a:pPr>
-            <a:r>
-              <a:rPr lang="en-US" dirty="0"/>
-              <a:t>    - The predictions were based on the </a:t>
-            </a:r>
-            <a:r>
-              <a:rPr lang="en-US" dirty="0" err="1"/>
-              <a:t>modication</a:t>
-            </a:r>
-            <a:r>
-              <a:rPr lang="en-US" dirty="0"/>
-              <a:t> of specific features for an individual home. The </a:t>
-            </a:r>
-            <a:r>
-              <a:rPr lang="en-US" dirty="0" err="1"/>
-              <a:t>predicitons</a:t>
-            </a:r>
-            <a:r>
-              <a:rPr lang="en-US" dirty="0"/>
-              <a:t> did not take into account how the home improvements would affect the surrounding </a:t>
-            </a:r>
-            <a:r>
-              <a:rPr lang="en-US" dirty="0" err="1"/>
-              <a:t>comparible</a:t>
-            </a:r>
-            <a:r>
-              <a:rPr lang="en-US" dirty="0"/>
-              <a:t> homes. This is common task done in real estate.   </a:t>
-            </a:r>
-          </a:p>
-          <a:p>
-            <a:pPr marL="0" lvl="0" indent="0" algn="l" rtl="0">
-              <a:spcBef>
-                <a:spcPts val="0"/>
-              </a:spcBef>
-              <a:spcAft>
-                <a:spcPts val="0"/>
-              </a:spcAft>
-              <a:buNone/>
-            </a:pPr>
-            <a:r>
-              <a:rPr lang="en-US" dirty="0"/>
-              <a:t>- **Model approach fit for specific problem:**</a:t>
-            </a:r>
-          </a:p>
-          <a:p>
-            <a:pPr marL="0" lvl="0" indent="0" algn="l" rtl="0">
-              <a:spcBef>
-                <a:spcPts val="0"/>
-              </a:spcBef>
-              <a:spcAft>
-                <a:spcPts val="0"/>
-              </a:spcAft>
-              <a:buNone/>
-            </a:pPr>
-            <a:r>
-              <a:rPr lang="en-US" dirty="0"/>
-              <a:t>    -  The model developed was for a specific problem. Understanding how home improvement how affect home values and the amount of the difference. Other </a:t>
-            </a:r>
-            <a:r>
-              <a:rPr lang="en-US" dirty="0" err="1"/>
-              <a:t>usecases</a:t>
-            </a:r>
-            <a:r>
-              <a:rPr lang="en-US" dirty="0"/>
-              <a:t> and problems were not taken into account. There may be insights to game from the model and predictions that  </a:t>
-            </a:r>
-          </a:p>
-          <a:p>
-            <a:pPr marL="0" lvl="0" indent="0" algn="l" rtl="0">
-              <a:spcBef>
-                <a:spcPts val="0"/>
-              </a:spcBef>
-              <a:spcAft>
-                <a:spcPts val="0"/>
-              </a:spcAft>
-              <a:buNone/>
-            </a:pPr>
-            <a:r>
-              <a:rPr lang="en-US" dirty="0"/>
-              <a:t>- **Time/Resources:**</a:t>
-            </a:r>
-          </a:p>
-          <a:p>
-            <a:pPr marL="0" lvl="0" indent="0" algn="l" rtl="0">
-              <a:spcBef>
-                <a:spcPts val="0"/>
-              </a:spcBef>
-              <a:spcAft>
-                <a:spcPts val="0"/>
-              </a:spcAft>
-              <a:buNone/>
-            </a:pPr>
-            <a:r>
-              <a:rPr lang="en-US" dirty="0"/>
-              <a:t>    - Because of limited time and skillset a "good enough" model was delivered. The datasets, </a:t>
-            </a:r>
-            <a:r>
-              <a:rPr lang="en-US" dirty="0" err="1"/>
-              <a:t>techniquesm</a:t>
-            </a:r>
-            <a:r>
-              <a:rPr lang="en-US" dirty="0"/>
-              <a:t> model robustness had to be scoped.</a:t>
-            </a:r>
-          </a:p>
-          <a:p>
-            <a:pPr marL="0" lvl="0" indent="0" algn="l" rtl="0">
-              <a:spcBef>
-                <a:spcPts val="0"/>
-              </a:spcBef>
-              <a:spcAft>
-                <a:spcPts val="0"/>
-              </a:spcAft>
-              <a:buNone/>
-            </a:pPr>
-            <a:r>
-              <a:rPr lang="en-US" dirty="0"/>
-              <a:t>- **Actual market culture:**</a:t>
-            </a:r>
-          </a:p>
-          <a:p>
-            <a:pPr marL="0" lvl="0" indent="0" algn="l" rtl="0">
-              <a:spcBef>
-                <a:spcPts val="0"/>
-              </a:spcBef>
-              <a:spcAft>
-                <a:spcPts val="0"/>
-              </a:spcAft>
-              <a:buNone/>
-            </a:pPr>
-            <a:r>
-              <a:rPr lang="en-US" dirty="0"/>
-              <a:t>    - The dataset used wasn't the most current. These last two years have had major shifts in the supply and demand of homes. Therefore a shift in the home value estimates shift as well.</a:t>
-            </a:r>
-          </a:p>
-          <a:p>
-            <a:pPr marL="0" lvl="0" indent="0" algn="l" rtl="0">
-              <a:spcBef>
-                <a:spcPts val="0"/>
-              </a:spcBef>
-              <a:spcAft>
-                <a:spcPts val="0"/>
-              </a:spcAft>
-              <a:buNone/>
-            </a:pPr>
-            <a:r>
-              <a:rPr lang="en-US" dirty="0"/>
-              <a:t>- **External effects:**</a:t>
-            </a:r>
-          </a:p>
-          <a:p>
-            <a:pPr marL="0" lvl="0" indent="0" algn="l" rtl="0">
-              <a:spcBef>
-                <a:spcPts val="0"/>
-              </a:spcBef>
-              <a:spcAft>
-                <a:spcPts val="0"/>
-              </a:spcAft>
-              <a:buNone/>
-            </a:pPr>
-            <a:r>
-              <a:rPr lang="en-US" dirty="0"/>
-              <a:t>    - The model and predictions did not account for external effects that were not attributes of the home and its property.</a:t>
-            </a:r>
-          </a:p>
-          <a:p>
-            <a:pPr marL="0" lvl="0" indent="0" algn="l" rtl="0">
-              <a:spcBef>
-                <a:spcPts val="0"/>
-              </a:spcBef>
-              <a:spcAft>
-                <a:spcPts val="0"/>
-              </a:spcAft>
-              <a:buNone/>
-            </a:pPr>
-            <a:r>
-              <a:rPr lang="en-US" dirty="0"/>
-              <a:t>- **Data scientist skillset:**</a:t>
-            </a:r>
-          </a:p>
-          <a:p>
-            <a:pPr marL="0" lvl="0" indent="0" algn="l" rtl="0">
-              <a:spcBef>
-                <a:spcPts val="0"/>
-              </a:spcBef>
-              <a:spcAft>
-                <a:spcPts val="0"/>
-              </a:spcAft>
-              <a:buNone/>
-            </a:pPr>
-            <a:r>
-              <a:rPr lang="en-US" dirty="0"/>
-              <a:t>    - As a new data scientist the the model robustness is limited due to experience and skills.</a:t>
-            </a:r>
-          </a:p>
-          <a:p>
-            <a:pPr marL="0" lvl="0" indent="0" algn="l" rtl="0">
-              <a:spcBef>
-                <a:spcPts val="0"/>
-              </a:spcBef>
-              <a:spcAft>
-                <a:spcPts val="0"/>
-              </a:spcAft>
-              <a:buNone/>
-            </a:pPr>
-            <a:r>
-              <a:rPr lang="en-US" dirty="0"/>
-              <a:t> </a:t>
-            </a:r>
             <a:endParaRPr dirty="0"/>
           </a:p>
         </p:txBody>
@@ -2653,7 +2366,7 @@
           <a:effectLst/>
           <a:extLst>
             <a:ext uri="{91240B29-F687-4f45-9708-019B960494DF}">
-              <a14:hiddenLine xmlns="" xmlns:a14="http://schemas.microsoft.com/office/drawing/2010/main" w="9525">
+              <a14:hiddenLine xmlns:a14="http://schemas.microsoft.com/office/drawing/2010/main" xmlns="" w="9525">
                 <a:solidFill>
                   <a:srgbClr val="000000"/>
                 </a:solidFill>
@@ -2845,7 +2558,7 @@
           <a:p>
             <a:fld id="{1160EA64-D806-43AC-9DF2-F8C432F32B4C}" type="datetimeFigureOut">
               <a:rPr lang="en-US" smtClean="0"/>
-              <a:t>1/2/23</a:t>
+              <a:t>1/9/23</a:t>
             </a:fld>
             <a:endParaRPr lang="en-US" dirty="0"/>
           </a:p>
@@ -3173,7 +2886,7 @@
           <a:p>
             <a:fld id="{1160EA64-D806-43AC-9DF2-F8C432F32B4C}" type="datetimeFigureOut">
               <a:rPr lang="en-US" smtClean="0"/>
-              <a:t>1/2/23</a:t>
+              <a:t>1/9/23</a:t>
             </a:fld>
             <a:endParaRPr lang="en-US" dirty="0"/>
           </a:p>
@@ -3671,7 +3384,7 @@
           <a:p>
             <a:fld id="{1160EA64-D806-43AC-9DF2-F8C432F32B4C}" type="datetimeFigureOut">
               <a:rPr lang="en-US" smtClean="0"/>
-              <a:t>1/2/23</a:t>
+              <a:t>1/9/23</a:t>
             </a:fld>
             <a:endParaRPr lang="en-US" dirty="0"/>
           </a:p>
@@ -4050,7 +3763,7 @@
           <a:p>
             <a:fld id="{1160EA64-D806-43AC-9DF2-F8C432F32B4C}" type="datetimeFigureOut">
               <a:rPr lang="en-US" smtClean="0"/>
-              <a:t>1/2/23</a:t>
+              <a:t>1/9/23</a:t>
             </a:fld>
             <a:endParaRPr lang="en-US" dirty="0"/>
           </a:p>
@@ -4215,7 +3928,7 @@
           <a:ln/>
           <a:extLst>
             <a:ext uri="{91240B29-F687-4f45-9708-019B960494DF}">
-              <a14:hiddenLine xmlns="" xmlns:a14="http://schemas.microsoft.com/office/drawing/2010/main" w="9525">
+              <a14:hiddenLine xmlns:a14="http://schemas.microsoft.com/office/drawing/2010/main" xmlns="" w="9525">
                 <a:solidFill>
                   <a:srgbClr val="000000"/>
                 </a:solidFill>
@@ -4333,7 +4046,7 @@
           <a:p>
             <a:fld id="{1160EA64-D806-43AC-9DF2-F8C432F32B4C}" type="datetimeFigureOut">
               <a:rPr lang="en-US" smtClean="0"/>
-              <a:t>1/2/23</a:t>
+              <a:t>1/9/23</a:t>
             </a:fld>
             <a:endParaRPr lang="en-US" dirty="0"/>
           </a:p>
@@ -4500,7 +4213,7 @@
           <a:ln/>
           <a:extLst>
             <a:ext uri="{91240B29-F687-4f45-9708-019B960494DF}">
-              <a14:hiddenLine xmlns="" xmlns:a14="http://schemas.microsoft.com/office/drawing/2010/main" w="9525">
+              <a14:hiddenLine xmlns:a14="http://schemas.microsoft.com/office/drawing/2010/main" xmlns="" w="9525">
                 <a:solidFill>
                   <a:srgbClr val="000000"/>
                 </a:solidFill>
@@ -4628,7 +4341,7 @@
           <a:p>
             <a:fld id="{1160EA64-D806-43AC-9DF2-F8C432F32B4C}" type="datetimeFigureOut">
               <a:rPr lang="en-US" smtClean="0"/>
-              <a:t>1/2/23</a:t>
+              <a:t>1/9/23</a:t>
             </a:fld>
             <a:endParaRPr lang="en-US" dirty="0"/>
           </a:p>
@@ -5406,7 +5119,7 @@
           <a:ln/>
           <a:extLst>
             <a:ext uri="{91240B29-F687-4f45-9708-019B960494DF}">
-              <a14:hiddenLine xmlns="" xmlns:a14="http://schemas.microsoft.com/office/drawing/2010/main" w="9525">
+              <a14:hiddenLine xmlns:a14="http://schemas.microsoft.com/office/drawing/2010/main" xmlns="" w="9525">
                 <a:solidFill>
                   <a:srgbClr val="000000"/>
                 </a:solidFill>
@@ -5534,7 +5247,7 @@
           <a:p>
             <a:fld id="{1160EA64-D806-43AC-9DF2-F8C432F32B4C}" type="datetimeFigureOut">
               <a:rPr lang="en-US" smtClean="0"/>
-              <a:t>1/2/23</a:t>
+              <a:t>1/9/23</a:t>
             </a:fld>
             <a:endParaRPr lang="en-US" dirty="0"/>
           </a:p>
@@ -5887,7 +5600,7 @@
           <a:p>
             <a:fld id="{1160EA64-D806-43AC-9DF2-F8C432F32B4C}" type="datetimeFigureOut">
               <a:rPr lang="en-US" smtClean="0"/>
-              <a:t>1/2/23</a:t>
+              <a:t>1/9/23</a:t>
             </a:fld>
             <a:endParaRPr lang="en-US" dirty="0"/>
           </a:p>
@@ -6052,7 +5765,7 @@
           <a:ln/>
           <a:extLst>
             <a:ext uri="{91240B29-F687-4f45-9708-019B960494DF}">
-              <a14:hiddenLine xmlns="" xmlns:a14="http://schemas.microsoft.com/office/drawing/2010/main" w="9525">
+              <a14:hiddenLine xmlns:a14="http://schemas.microsoft.com/office/drawing/2010/main" xmlns="" w="9525">
                 <a:solidFill>
                   <a:srgbClr val="000000"/>
                 </a:solidFill>
@@ -6236,7 +5949,7 @@
           <a:p>
             <a:fld id="{1160EA64-D806-43AC-9DF2-F8C432F32B4C}" type="datetimeFigureOut">
               <a:rPr lang="en-US" smtClean="0"/>
-              <a:t>1/2/23</a:t>
+              <a:t>1/9/23</a:t>
             </a:fld>
             <a:endParaRPr lang="en-US" dirty="0"/>
           </a:p>
@@ -6401,7 +6114,7 @@
           <a:ln/>
           <a:extLst>
             <a:ext uri="{91240B29-F687-4f45-9708-019B960494DF}">
-              <a14:hiddenLine xmlns="" xmlns:a14="http://schemas.microsoft.com/office/drawing/2010/main" w="9525">
+              <a14:hiddenLine xmlns:a14="http://schemas.microsoft.com/office/drawing/2010/main" xmlns="" w="9525">
                 <a:solidFill>
                   <a:srgbClr val="000000"/>
                 </a:solidFill>
@@ -6723,7 +6436,7 @@
           <a:p>
             <a:fld id="{1160EA64-D806-43AC-9DF2-F8C432F32B4C}" type="datetimeFigureOut">
               <a:rPr lang="en-US" smtClean="0"/>
-              <a:t>1/2/23</a:t>
+              <a:t>1/9/23</a:t>
             </a:fld>
             <a:endParaRPr lang="en-US" dirty="0"/>
           </a:p>
@@ -6888,7 +6601,7 @@
           <a:ln/>
           <a:extLst>
             <a:ext uri="{91240B29-F687-4f45-9708-019B960494DF}">
-              <a14:hiddenLine xmlns="" xmlns:a14="http://schemas.microsoft.com/office/drawing/2010/main" w="9525">
+              <a14:hiddenLine xmlns:a14="http://schemas.microsoft.com/office/drawing/2010/main" xmlns="" w="9525">
                 <a:solidFill>
                   <a:srgbClr val="000000"/>
                 </a:solidFill>
@@ -6954,7 +6667,7 @@
           <a:p>
             <a:fld id="{E1037C31-9E7A-4F99-8774-A0E530DE1A42}" type="datetimeFigureOut">
               <a:rPr lang="en-US" smtClean="0"/>
-              <a:t>1/2/23</a:t>
+              <a:t>1/9/23</a:t>
             </a:fld>
             <a:endParaRPr lang="en-US" dirty="0"/>
           </a:p>
@@ -7059,7 +6772,7 @@
           <a:p>
             <a:fld id="{C278504F-A551-4DE0-9316-4DCD1D8CC752}" type="datetimeFigureOut">
               <a:rPr lang="en-US" smtClean="0"/>
-              <a:t>1/2/23</a:t>
+              <a:t>1/9/23</a:t>
             </a:fld>
             <a:endParaRPr lang="en-US" dirty="0"/>
           </a:p>
@@ -7336,7 +7049,7 @@
           <a:ln/>
           <a:extLst>
             <a:ext uri="{91240B29-F687-4f45-9708-019B960494DF}">
-              <a14:hiddenLine xmlns="" xmlns:a14="http://schemas.microsoft.com/office/drawing/2010/main" w="9525">
+              <a14:hiddenLine xmlns:a14="http://schemas.microsoft.com/office/drawing/2010/main" xmlns="" w="9525">
                 <a:solidFill>
                   <a:srgbClr val="000000"/>
                 </a:solidFill>
@@ -7535,7 +7248,7 @@
           <a:p>
             <a:fld id="{1160EA64-D806-43AC-9DF2-F8C432F32B4C}" type="datetimeFigureOut">
               <a:rPr lang="en-US" smtClean="0"/>
-              <a:t>1/2/23</a:t>
+              <a:t>1/9/23</a:t>
             </a:fld>
             <a:endParaRPr lang="en-US" dirty="0"/>
           </a:p>
@@ -7858,7 +7571,7 @@
           <a:p>
             <a:fld id="{1160EA64-D806-43AC-9DF2-F8C432F32B4C}" type="datetimeFigureOut">
               <a:rPr lang="en-US" smtClean="0"/>
-              <a:t>1/2/23</a:t>
+              <a:t>1/9/23</a:t>
             </a:fld>
             <a:endParaRPr lang="en-US" dirty="0"/>
           </a:p>
@@ -8138,7 +7851,7 @@
           <a:p>
             <a:fld id="{1160EA64-D806-43AC-9DF2-F8C432F32B4C}" type="datetimeFigureOut">
               <a:rPr lang="en-US" smtClean="0"/>
-              <a:t>1/2/23</a:t>
+              <a:t>1/9/23</a:t>
             </a:fld>
             <a:endParaRPr lang="en-US" dirty="0"/>
           </a:p>
@@ -8828,7 +8541,7 @@
             </a:pPr>
             <a:r>
               <a:rPr lang="en" dirty="0"/>
-              <a:t>Conclusion: Recommendations &amp; Next Steps</a:t>
+              <a:t>Conclusion: Recommendations </a:t>
             </a:r>
             <a:endParaRPr dirty="0"/>
           </a:p>
@@ -8860,212 +8573,122 @@
           <a:bodyPr/>
           <a:lstStyle/>
           <a:p>
+            <a:pPr marL="0" indent="0">
+              <a:buSzPts val="1400"/>
+              <a:buNone/>
+            </a:pPr>
+            <a:endParaRPr lang="en-US" sz="1500" dirty="0">
+              <a:cs typeface="Arial"/>
+            </a:endParaRPr>
+          </a:p>
+          <a:p>
             <a:pPr indent="-285750">
               <a:buSzPts val="1400"/>
               <a:buFont typeface="Arial" panose="020B0604020202020204" pitchFamily="34" charset="0"/>
               <a:buChar char="•"/>
             </a:pPr>
-            <a:r>
-              <a:rPr lang="en-US" sz="1500" b="1" dirty="0">
-                <a:latin typeface="Arial" panose="020B0604020202020204" pitchFamily="34" charset="0"/>
-                <a:cs typeface="Arial" panose="020B0604020202020204" pitchFamily="34" charset="0"/>
-              </a:rPr>
-              <a:t>Choose and present  incentives and vision of home improvement within a community. This incentivizes people and helps with accountability. </a:t>
-            </a:r>
-          </a:p>
-          <a:p>
-            <a:pPr lvl="1" indent="-285750">
-              <a:spcBef>
-                <a:spcPts val="0"/>
-              </a:spcBef>
-              <a:buFont typeface="Arial" panose="020B0604020202020204" pitchFamily="34" charset="0"/>
-              <a:buChar char="•"/>
-            </a:pPr>
-            <a:r>
-              <a:rPr lang="en-US" sz="1500" dirty="0">
-                <a:latin typeface="Arial" panose="020B0604020202020204" pitchFamily="34" charset="0"/>
-                <a:cs typeface="Arial" panose="020B0604020202020204" pitchFamily="34" charset="0"/>
-              </a:rPr>
-              <a:t>Choose a few </a:t>
-            </a:r>
-            <a:r>
-              <a:rPr lang="en-US" sz="1500" dirty="0" err="1">
-                <a:latin typeface="Arial" panose="020B0604020202020204" pitchFamily="34" charset="0"/>
-                <a:cs typeface="Arial" panose="020B0604020202020204" pitchFamily="34" charset="0"/>
-              </a:rPr>
-              <a:t>zipcodes</a:t>
-            </a:r>
-            <a:r>
-              <a:rPr lang="en-US" sz="1500" dirty="0">
-                <a:latin typeface="Arial" panose="020B0604020202020204" pitchFamily="34" charset="0"/>
-                <a:cs typeface="Arial" panose="020B0604020202020204" pitchFamily="34" charset="0"/>
-              </a:rPr>
-              <a:t> to try out and then offer feedback that would improve model accuracy or approach.</a:t>
-            </a:r>
-          </a:p>
-          <a:p>
-            <a:pPr lvl="1" indent="-285750">
-              <a:spcBef>
-                <a:spcPts val="0"/>
-              </a:spcBef>
-              <a:buFont typeface="Arial" panose="020B0604020202020204" pitchFamily="34" charset="0"/>
-              <a:buChar char="•"/>
-            </a:pPr>
-            <a:r>
-              <a:rPr lang="en-US" sz="1500" dirty="0">
-                <a:latin typeface="Arial" panose="020B0604020202020204" pitchFamily="34" charset="0"/>
-                <a:cs typeface="Arial" panose="020B0604020202020204" pitchFamily="34" charset="0"/>
-              </a:rPr>
-              <a:t> Focus on major areas with high needs to bring up. The communal effect will possibly increase prices even though the highest improvements may not have happened.</a:t>
-            </a:r>
-          </a:p>
-          <a:p>
-            <a:pPr lvl="1" indent="-285750">
-              <a:spcBef>
-                <a:spcPts val="0"/>
-              </a:spcBef>
-              <a:buFont typeface="Arial" panose="020B0604020202020204" pitchFamily="34" charset="0"/>
-              <a:buChar char="•"/>
-            </a:pPr>
-            <a:r>
-              <a:rPr lang="en-US" sz="1500" dirty="0">
-                <a:latin typeface="Arial" panose="020B0604020202020204" pitchFamily="34" charset="0"/>
-                <a:cs typeface="Arial" panose="020B0604020202020204" pitchFamily="34" charset="0"/>
-              </a:rPr>
-              <a:t> Present businesses(</a:t>
-            </a:r>
-            <a:r>
-              <a:rPr lang="en-US" sz="1500" dirty="0" err="1">
-                <a:latin typeface="Arial" panose="020B0604020202020204" pitchFamily="34" charset="0"/>
-                <a:cs typeface="Arial" panose="020B0604020202020204" pitchFamily="34" charset="0"/>
-              </a:rPr>
-              <a:t>e.i.</a:t>
-            </a:r>
-            <a:r>
-              <a:rPr lang="en-US" sz="1500" dirty="0">
-                <a:latin typeface="Arial" panose="020B0604020202020204" pitchFamily="34" charset="0"/>
-                <a:cs typeface="Arial" panose="020B0604020202020204" pitchFamily="34" charset="0"/>
-              </a:rPr>
-              <a:t> construction, remodeling) of the potential work to be done. Partnering with them and possibly offering discounts to the select communities would be a good incentive for communities to improve together</a:t>
-            </a:r>
-          </a:p>
-          <a:p>
-            <a:pPr lvl="1" indent="-285750">
-              <a:spcBef>
-                <a:spcPts val="0"/>
-              </a:spcBef>
-              <a:buFont typeface="Arial" panose="020B0604020202020204" pitchFamily="34" charset="0"/>
-              <a:buChar char="•"/>
-            </a:pPr>
-            <a:endParaRPr lang="en-US" sz="1500" dirty="0">
-              <a:latin typeface="Arial" panose="020B0604020202020204" pitchFamily="34" charset="0"/>
-              <a:cs typeface="Arial" panose="020B0604020202020204" pitchFamily="34" charset="0"/>
-            </a:endParaRPr>
-          </a:p>
-          <a:p>
-            <a:pPr indent="-285750">
-              <a:buSzPts val="1400"/>
-              <a:buFont typeface="Arial" panose="020B0604020202020204" pitchFamily="34" charset="0"/>
-              <a:buChar char="•"/>
-            </a:pPr>
-            <a:r>
-              <a:rPr lang="en-US" sz="1500" b="1" dirty="0">
-                <a:latin typeface="Arial" panose="020B0604020202020204" pitchFamily="34" charset="0"/>
-                <a:cs typeface="Arial" panose="020B0604020202020204" pitchFamily="34" charset="0"/>
-              </a:rPr>
-              <a:t>Market to potential homebuyers (individuals and investors) of the potential return on investment. These homebuyers may potentially buy the homes before the improvements and then fix them up.</a:t>
-            </a:r>
-          </a:p>
-          <a:p>
-            <a:pPr indent="-285750">
-              <a:buSzPts val="1400"/>
-              <a:buFont typeface="Arial" panose="020B0604020202020204" pitchFamily="34" charset="0"/>
-              <a:buChar char="•"/>
-            </a:pPr>
-            <a:endParaRPr lang="en-US" sz="1500" b="1" dirty="0">
-              <a:latin typeface="Arial" panose="020B0604020202020204" pitchFamily="34" charset="0"/>
-              <a:cs typeface="Arial" panose="020B0604020202020204" pitchFamily="34" charset="0"/>
-            </a:endParaRPr>
-          </a:p>
-          <a:p>
-            <a:pPr indent="-285750">
-              <a:buSzPts val="1400"/>
-              <a:buFont typeface="Arial" panose="020B0604020202020204" pitchFamily="34" charset="0"/>
-              <a:buChar char="•"/>
-            </a:pPr>
-            <a:r>
-              <a:rPr lang="en-US" sz="1500" b="1" dirty="0">
-                <a:latin typeface="Arial" panose="020B0604020202020204" pitchFamily="34" charset="0"/>
-                <a:cs typeface="Arial" panose="020B0604020202020204" pitchFamily="34" charset="0"/>
-              </a:rPr>
-              <a:t>Increase consultation with the data scientist/analyst to improve our domain knowledge. As both parties educate each other the model solution has a better chance at being more accurate and robust.</a:t>
-            </a:r>
-          </a:p>
-          <a:p>
-            <a:pPr lvl="1" indent="-285750">
-              <a:spcBef>
-                <a:spcPts val="0"/>
-              </a:spcBef>
-              <a:buFont typeface="Arial" panose="020B0604020202020204" pitchFamily="34" charset="0"/>
-              <a:buChar char="•"/>
-            </a:pPr>
-            <a:r>
-              <a:rPr lang="en-US" sz="1500" dirty="0">
-                <a:latin typeface="Arial" panose="020B0604020202020204" pitchFamily="34" charset="0"/>
-                <a:cs typeface="Arial" panose="020B0604020202020204" pitchFamily="34" charset="0"/>
-              </a:rPr>
-              <a:t>Feedback on realistic feature values after home improvement</a:t>
-            </a:r>
-          </a:p>
-          <a:p>
-            <a:pPr lvl="1" indent="-285750">
-              <a:spcBef>
-                <a:spcPts val="0"/>
-              </a:spcBef>
-              <a:buFont typeface="Arial" panose="020B0604020202020204" pitchFamily="34" charset="0"/>
-              <a:buChar char="•"/>
-            </a:pPr>
-            <a:r>
-              <a:rPr lang="en-US" sz="1500" dirty="0">
-                <a:latin typeface="Arial" panose="020B0604020202020204" pitchFamily="34" charset="0"/>
-                <a:cs typeface="Arial" panose="020B0604020202020204" pitchFamily="34" charset="0"/>
-              </a:rPr>
-              <a:t>Having examples and case studies of home improvements specifics would help give a realistic picture to all of the stakeholder supporting the predictions and work. </a:t>
-            </a:r>
-          </a:p>
-          <a:p>
-            <a:pPr marL="0" indent="0">
-              <a:buSzPts val="1400"/>
-              <a:buNone/>
-            </a:pPr>
-            <a:endParaRPr lang="en-US" sz="1500" dirty="0">
-              <a:cs typeface="Arial"/>
-            </a:endParaRPr>
-          </a:p>
-          <a:p>
-            <a:pPr indent="-285750">
-              <a:buSzPts val="1400"/>
-              <a:buFont typeface="Arial" panose="020B0604020202020204" pitchFamily="34" charset="0"/>
-              <a:buChar char="•"/>
-            </a:pPr>
             <a:endParaRPr lang="en-US" sz="1500" dirty="0">
               <a:latin typeface="Arial"/>
               <a:cs typeface="Arial"/>
             </a:endParaRPr>
           </a:p>
           <a:p>
-            <a:pPr>
-              <a:buFont typeface="+mj-lt"/>
-              <a:buAutoNum type="arabicPeriod"/>
-            </a:pPr>
-            <a:endParaRPr lang="en-US" b="1" dirty="0"/>
-          </a:p>
-          <a:p>
-            <a:pPr>
-              <a:buFont typeface="+mj-lt"/>
-              <a:buAutoNum type="arabicPeriod"/>
-            </a:pPr>
-            <a:endParaRPr lang="en-US" b="1" dirty="0"/>
+            <a:pPr marL="114300" indent="0">
+              <a:buNone/>
+            </a:pPr>
+            <a:r>
+              <a:rPr lang="en-US" b="1" dirty="0"/>
+              <a:t> </a:t>
+            </a:r>
+            <a:r>
+              <a:rPr lang="en-US" b="1" dirty="0">
+                <a:solidFill>
+                  <a:schemeClr val="accent4"/>
+                </a:solidFill>
+              </a:rPr>
+              <a:t>Low Hanging Fruit: Focus on </a:t>
+            </a:r>
+            <a:r>
+              <a:rPr lang="en-US" b="1" dirty="0" err="1">
+                <a:solidFill>
+                  <a:schemeClr val="accent4"/>
+                </a:solidFill>
+              </a:rPr>
+              <a:t>zipcodes</a:t>
+            </a:r>
+            <a:r>
+              <a:rPr lang="en-US" b="1" dirty="0">
+                <a:solidFill>
+                  <a:schemeClr val="accent4"/>
+                </a:solidFill>
+              </a:rPr>
+              <a:t> with major improvement needs to bring up home values.</a:t>
+            </a:r>
+          </a:p>
+          <a:p>
+            <a:pPr lvl="1"/>
+            <a:r>
+              <a:rPr lang="en-US" b="1" dirty="0"/>
+              <a:t>At a minimum promote increasing </a:t>
+            </a:r>
+            <a:r>
+              <a:rPr lang="en-US" b="1" dirty="0">
+                <a:solidFill>
+                  <a:schemeClr val="accent4"/>
+                </a:solidFill>
+              </a:rPr>
+              <a:t>conditions </a:t>
+            </a:r>
+            <a:r>
+              <a:rPr lang="en-US" b="1" dirty="0"/>
+              <a:t>(e.g. basic maintenance) in the homes.</a:t>
+            </a:r>
+          </a:p>
+          <a:p>
+            <a:pPr lvl="1"/>
+            <a:r>
+              <a:rPr lang="en-US" b="1" dirty="0"/>
+              <a:t>Promote bring homes up to Average code (this increases the </a:t>
+            </a:r>
+            <a:r>
+              <a:rPr lang="en-US" b="1" dirty="0">
+                <a:solidFill>
+                  <a:schemeClr val="accent4"/>
+                </a:solidFill>
+              </a:rPr>
+              <a:t>grade</a:t>
+            </a:r>
+            <a:r>
+              <a:rPr lang="en-US" b="1" dirty="0"/>
+              <a:t>, which impacts home values the most).</a:t>
+            </a:r>
+          </a:p>
+          <a:p>
+            <a:pPr lvl="1"/>
+            <a:r>
+              <a:rPr lang="en-US" b="1" dirty="0"/>
+              <a:t>Promote ,increasing </a:t>
+            </a:r>
+            <a:r>
+              <a:rPr lang="en-US" b="1" dirty="0" err="1">
+                <a:solidFill>
+                  <a:schemeClr val="accent4"/>
+                </a:solidFill>
+              </a:rPr>
+              <a:t>sqft</a:t>
+            </a:r>
+            <a:r>
+              <a:rPr lang="en-US" b="1" dirty="0">
+                <a:solidFill>
+                  <a:schemeClr val="accent4"/>
+                </a:solidFill>
+              </a:rPr>
+              <a:t> living </a:t>
+            </a:r>
+            <a:r>
+              <a:rPr lang="en-US" b="1" dirty="0"/>
+              <a:t>area by adding a small room (e.g. bathroom, small bedroom).</a:t>
+            </a:r>
           </a:p>
         </p:txBody>
       </p:sp>
@@ -9083,6 +8706,264 @@
 </file>
 
 <file path=ppt/slides/slide11.xml><?xml version="1.0" encoding="utf-8"?>
+<p:sld xmlns:a="http://schemas.openxmlformats.org/drawingml/2006/main" xmlns:r="http://schemas.openxmlformats.org/officeDocument/2006/relationships" xmlns:p="http://schemas.openxmlformats.org/presentationml/2006/main">
+  <p:cSld>
+    <p:spTree>
+      <p:nvGrpSpPr>
+        <p:cNvPr id="1" name="Shape 100"/>
+        <p:cNvGrpSpPr/>
+        <p:nvPr/>
+      </p:nvGrpSpPr>
+      <p:grpSpPr>
+        <a:xfrm>
+          <a:off x="0" y="0"/>
+          <a:ext cx="0" cy="0"/>
+          <a:chOff x="0" y="0"/>
+          <a:chExt cx="0" cy="0"/>
+        </a:xfrm>
+      </p:grpSpPr>
+      <p:sp>
+        <p:nvSpPr>
+          <p:cNvPr id="101" name="Google Shape;101;p20"/>
+          <p:cNvSpPr txBox="1">
+            <a:spLocks noGrp="1"/>
+          </p:cNvSpPr>
+          <p:nvPr>
+            <p:ph type="title"/>
+          </p:nvPr>
+        </p:nvSpPr>
+        <p:spPr>
+          <a:xfrm>
+            <a:off x="0" y="0"/>
+            <a:ext cx="8520600" cy="572700"/>
+          </a:xfrm>
+          <a:prstGeom prst="rect">
+            <a:avLst/>
+          </a:prstGeom>
+        </p:spPr>
+        <p:txBody>
+          <a:bodyPr spcFirstLastPara="1" wrap="square" lIns="91425" tIns="91425" rIns="91425" bIns="91425" anchor="t" anchorCtr="0">
+            <a:noAutofit/>
+          </a:bodyPr>
+          <a:lstStyle/>
+          <a:p>
+            <a:pPr marL="0" lvl="0" indent="0" algn="l" rtl="0">
+              <a:spcBef>
+                <a:spcPts val="0"/>
+              </a:spcBef>
+              <a:spcAft>
+                <a:spcPts val="0"/>
+              </a:spcAft>
+              <a:buNone/>
+            </a:pPr>
+            <a:r>
+              <a:rPr lang="en" dirty="0"/>
+              <a:t>Conclusion: Next Steps</a:t>
+            </a:r>
+            <a:endParaRPr dirty="0"/>
+          </a:p>
+        </p:txBody>
+      </p:sp>
+      <p:sp>
+        <p:nvSpPr>
+          <p:cNvPr id="3" name="Text Placeholder 2">
+            <a:extLst>
+              <a:ext uri="{FF2B5EF4-FFF2-40B4-BE49-F238E27FC236}">
+                <a16:creationId xmlns:a16="http://schemas.microsoft.com/office/drawing/2014/main" id="{DBF3DEF5-A99E-DF43-815C-DC659E41A8E6}"/>
+              </a:ext>
+            </a:extLst>
+          </p:cNvPr>
+          <p:cNvSpPr>
+            <a:spLocks noGrp="1"/>
+          </p:cNvSpPr>
+          <p:nvPr>
+            <p:ph type="body" idx="1"/>
+          </p:nvPr>
+        </p:nvSpPr>
+        <p:spPr>
+          <a:xfrm>
+            <a:off x="0" y="478107"/>
+            <a:ext cx="9144000" cy="4510717"/>
+          </a:xfrm>
+        </p:spPr>
+        <p:txBody>
+          <a:bodyPr/>
+          <a:lstStyle/>
+          <a:p>
+            <a:pPr indent="-285750">
+              <a:buSzPts val="1400"/>
+              <a:buFont typeface="Arial" panose="020B0604020202020204" pitchFamily="34" charset="0"/>
+              <a:buChar char="•"/>
+            </a:pPr>
+            <a:endParaRPr lang="en-US" sz="1500" b="1" dirty="0">
+              <a:latin typeface="Arial" panose="020B0604020202020204" pitchFamily="34" charset="0"/>
+              <a:cs typeface="Arial" panose="020B0604020202020204" pitchFamily="34" charset="0"/>
+            </a:endParaRPr>
+          </a:p>
+          <a:p>
+            <a:pPr indent="-285750">
+              <a:buSzPts val="1400"/>
+              <a:buFont typeface="Arial" panose="020B0604020202020204" pitchFamily="34" charset="0"/>
+              <a:buChar char="•"/>
+            </a:pPr>
+            <a:r>
+              <a:rPr lang="en-US" sz="1500" b="1" dirty="0">
+                <a:solidFill>
+                  <a:schemeClr val="accent4"/>
+                </a:solidFill>
+                <a:latin typeface="Arial" panose="020B0604020202020204" pitchFamily="34" charset="0"/>
+                <a:cs typeface="Arial" panose="020B0604020202020204" pitchFamily="34" charset="0"/>
+              </a:rPr>
+              <a:t>Choose and present  incentives and vision of home improvement within a community. </a:t>
+            </a:r>
+          </a:p>
+          <a:p>
+            <a:pPr lvl="1" indent="-285750">
+              <a:buFont typeface="Arial" panose="020B0604020202020204" pitchFamily="34" charset="0"/>
+              <a:buChar char="•"/>
+            </a:pPr>
+            <a:r>
+              <a:rPr lang="en-US" sz="1350" b="1" dirty="0">
+                <a:latin typeface="Arial" panose="020B0604020202020204" pitchFamily="34" charset="0"/>
+                <a:cs typeface="Arial" panose="020B0604020202020204" pitchFamily="34" charset="0"/>
+              </a:rPr>
+              <a:t>This incentivizes people and helps with accountability. </a:t>
+            </a:r>
+          </a:p>
+          <a:p>
+            <a:pPr lvl="1" indent="-285750">
+              <a:spcBef>
+                <a:spcPts val="0"/>
+              </a:spcBef>
+              <a:buFont typeface="Arial" panose="020B0604020202020204" pitchFamily="34" charset="0"/>
+              <a:buChar char="•"/>
+            </a:pPr>
+            <a:endParaRPr lang="en-US" sz="1500" dirty="0">
+              <a:latin typeface="Arial" panose="020B0604020202020204" pitchFamily="34" charset="0"/>
+              <a:cs typeface="Arial" panose="020B0604020202020204" pitchFamily="34" charset="0"/>
+            </a:endParaRPr>
+          </a:p>
+          <a:p>
+            <a:pPr indent="-285750">
+              <a:buSzPts val="1400"/>
+              <a:buFont typeface="Arial" panose="020B0604020202020204" pitchFamily="34" charset="0"/>
+              <a:buChar char="•"/>
+            </a:pPr>
+            <a:r>
+              <a:rPr lang="en-US" sz="1500" b="1" dirty="0">
+                <a:solidFill>
+                  <a:schemeClr val="accent4"/>
+                </a:solidFill>
+                <a:latin typeface="Arial" panose="020B0604020202020204" pitchFamily="34" charset="0"/>
+                <a:cs typeface="Arial" panose="020B0604020202020204" pitchFamily="34" charset="0"/>
+              </a:rPr>
+              <a:t>Market to potential homebuyers (individuals and investors) of the potential return on investment. </a:t>
+            </a:r>
+          </a:p>
+          <a:p>
+            <a:pPr lvl="1" indent="-285750">
+              <a:buFont typeface="Arial" panose="020B0604020202020204" pitchFamily="34" charset="0"/>
+              <a:buChar char="•"/>
+            </a:pPr>
+            <a:r>
+              <a:rPr lang="en-US" sz="1350" b="1" dirty="0">
+                <a:latin typeface="Arial" panose="020B0604020202020204" pitchFamily="34" charset="0"/>
+                <a:cs typeface="Arial" panose="020B0604020202020204" pitchFamily="34" charset="0"/>
+              </a:rPr>
+              <a:t>These homebuyers may potentially buy the homes before the improvements and then fix them up.</a:t>
+            </a:r>
+          </a:p>
+          <a:p>
+            <a:pPr indent="-285750">
+              <a:buSzPts val="1400"/>
+              <a:buFont typeface="Arial" panose="020B0604020202020204" pitchFamily="34" charset="0"/>
+              <a:buChar char="•"/>
+            </a:pPr>
+            <a:endParaRPr lang="en-US" sz="1500" b="1" dirty="0">
+              <a:latin typeface="Arial" panose="020B0604020202020204" pitchFamily="34" charset="0"/>
+              <a:cs typeface="Arial" panose="020B0604020202020204" pitchFamily="34" charset="0"/>
+            </a:endParaRPr>
+          </a:p>
+          <a:p>
+            <a:pPr indent="-285750">
+              <a:buSzPts val="1400"/>
+              <a:buFont typeface="Arial" panose="020B0604020202020204" pitchFamily="34" charset="0"/>
+              <a:buChar char="•"/>
+            </a:pPr>
+            <a:r>
+              <a:rPr lang="en-US" sz="1500" b="1" dirty="0">
+                <a:solidFill>
+                  <a:schemeClr val="accent4"/>
+                </a:solidFill>
+                <a:latin typeface="Arial" panose="020B0604020202020204" pitchFamily="34" charset="0"/>
+                <a:cs typeface="Arial" panose="020B0604020202020204" pitchFamily="34" charset="0"/>
+              </a:rPr>
+              <a:t>Increase consultation with the data scientist/analyst to improve our domain knowledge. </a:t>
+            </a:r>
+          </a:p>
+          <a:p>
+            <a:pPr lvl="1" indent="-285750">
+              <a:buFont typeface="Arial" panose="020B0604020202020204" pitchFamily="34" charset="0"/>
+              <a:buChar char="•"/>
+            </a:pPr>
+            <a:r>
+              <a:rPr lang="en-US" sz="1350" b="1" dirty="0">
+                <a:latin typeface="Arial" panose="020B0604020202020204" pitchFamily="34" charset="0"/>
+                <a:cs typeface="Arial" panose="020B0604020202020204" pitchFamily="34" charset="0"/>
+              </a:rPr>
+              <a:t>As both parties educate each other the model solution has a better chance at being more accurate and robust.</a:t>
+            </a:r>
+          </a:p>
+          <a:p>
+            <a:pPr marL="0" indent="0">
+              <a:buSzPts val="1400"/>
+              <a:buNone/>
+            </a:pPr>
+            <a:endParaRPr lang="en-US" sz="1500" dirty="0">
+              <a:cs typeface="Arial"/>
+            </a:endParaRPr>
+          </a:p>
+          <a:p>
+            <a:pPr indent="-285750">
+              <a:buSzPts val="1400"/>
+              <a:buFont typeface="Arial" panose="020B0604020202020204" pitchFamily="34" charset="0"/>
+              <a:buChar char="•"/>
+            </a:pPr>
+            <a:endParaRPr lang="en-US" sz="1500" dirty="0">
+              <a:latin typeface="Arial"/>
+              <a:cs typeface="Arial"/>
+            </a:endParaRPr>
+          </a:p>
+          <a:p>
+            <a:pPr>
+              <a:buFont typeface="+mj-lt"/>
+              <a:buAutoNum type="arabicPeriod"/>
+            </a:pPr>
+            <a:endParaRPr lang="en-US" b="1" dirty="0"/>
+          </a:p>
+          <a:p>
+            <a:pPr>
+              <a:buFont typeface="+mj-lt"/>
+              <a:buAutoNum type="arabicPeriod"/>
+            </a:pPr>
+            <a:endParaRPr lang="en-US" b="1" dirty="0"/>
+          </a:p>
+        </p:txBody>
+      </p:sp>
+    </p:spTree>
+    <p:extLst>
+      <p:ext uri="{BB962C8B-B14F-4D97-AF65-F5344CB8AC3E}">
+        <p14:creationId xmlns:p14="http://schemas.microsoft.com/office/powerpoint/2010/main" val="1237384430"/>
+      </p:ext>
+    </p:extLst>
+  </p:cSld>
+  <p:clrMapOvr>
+    <a:masterClrMapping/>
+  </p:clrMapOvr>
+</p:sld>
+</file>
+
+<file path=ppt/slides/slide12.xml><?xml version="1.0" encoding="utf-8"?>
 <p:sld xmlns:a="http://schemas.openxmlformats.org/drawingml/2006/main" xmlns:r="http://schemas.openxmlformats.org/officeDocument/2006/relationships" xmlns:p="http://schemas.openxmlformats.org/presentationml/2006/main">
   <p:cSld>
     <p:bg>
@@ -9421,10 +9302,63 @@
             </a:pPr>
             <a:r>
               <a:rPr lang="en-US" sz="1800" dirty="0">
+                <a:solidFill>
+                  <a:schemeClr val="accent4">
+                    <a:lumMod val="75000"/>
+                  </a:schemeClr>
+                </a:solidFill>
                 <a:latin typeface="Arial" panose="020B0604020202020204" pitchFamily="34" charset="0"/>
                 <a:cs typeface="Arial" panose="020B0604020202020204" pitchFamily="34" charset="0"/>
               </a:rPr>
-              <a:t>Housing data from King County was used to develop linear regressions models to support future price predictions</a:t>
+              <a:t>Model: </a:t>
+            </a:r>
+            <a:r>
+              <a:rPr lang="en-US" sz="1800" dirty="0">
+                <a:latin typeface="Arial" panose="020B0604020202020204" pitchFamily="34" charset="0"/>
+                <a:cs typeface="Arial" panose="020B0604020202020204" pitchFamily="34" charset="0"/>
+              </a:rPr>
+              <a:t>Multi-Linear Regression</a:t>
+            </a:r>
+          </a:p>
+          <a:p>
+            <a:pPr marL="0" lvl="0" indent="0" algn="ctr">
+              <a:spcAft>
+                <a:spcPts val="1600"/>
+              </a:spcAft>
+              <a:buNone/>
+            </a:pPr>
+            <a:r>
+              <a:rPr lang="en-US" sz="1800" dirty="0">
+                <a:solidFill>
+                  <a:schemeClr val="accent4">
+                    <a:lumMod val="75000"/>
+                  </a:schemeClr>
+                </a:solidFill>
+                <a:latin typeface="Arial" panose="020B0604020202020204" pitchFamily="34" charset="0"/>
+                <a:cs typeface="Arial" panose="020B0604020202020204" pitchFamily="34" charset="0"/>
+              </a:rPr>
+              <a:t>Top Attributes: </a:t>
+            </a:r>
+            <a:r>
+              <a:rPr lang="en-US" sz="1800" dirty="0">
+                <a:latin typeface="Arial" panose="020B0604020202020204" pitchFamily="34" charset="0"/>
+                <a:cs typeface="Arial" panose="020B0604020202020204" pitchFamily="34" charset="0"/>
+              </a:rPr>
+              <a:t>Grade, Condition &amp; </a:t>
+            </a:r>
+            <a:r>
+              <a:rPr lang="en-US" sz="1800" dirty="0" err="1">
+                <a:latin typeface="Arial" panose="020B0604020202020204" pitchFamily="34" charset="0"/>
+                <a:cs typeface="Arial" panose="020B0604020202020204" pitchFamily="34" charset="0"/>
+              </a:rPr>
+              <a:t>Sqft</a:t>
+            </a:r>
+            <a:r>
+              <a:rPr lang="en-US" sz="1800" dirty="0">
+                <a:latin typeface="Arial" panose="020B0604020202020204" pitchFamily="34" charset="0"/>
+                <a:cs typeface="Arial" panose="020B0604020202020204" pitchFamily="34" charset="0"/>
+              </a:rPr>
+              <a:t> Living</a:t>
             </a:r>
           </a:p>
           <a:p>
@@ -9554,7 +9488,7 @@
                 <a:latin typeface="Arial" panose="020B0604020202020204" pitchFamily="34" charset="0"/>
                 <a:cs typeface="Arial" panose="020B0604020202020204" pitchFamily="34" charset="0"/>
               </a:rPr>
-              <a:t>Business Problem</a:t>
+              <a:t>Business &amp; Data Understanding</a:t>
             </a:r>
             <a:endParaRPr sz="1800" dirty="0">
               <a:latin typeface="Arial" panose="020B0604020202020204" pitchFamily="34" charset="0"/>
@@ -9568,11 +9502,11 @@
               <a:buChar char="•"/>
             </a:pPr>
             <a:r>
-              <a:rPr lang="en" sz="1800" dirty="0">
+              <a:rPr lang="en-US" sz="1800" dirty="0">
                 <a:latin typeface="Arial" panose="020B0604020202020204" pitchFamily="34" charset="0"/>
                 <a:cs typeface="Arial" panose="020B0604020202020204" pitchFamily="34" charset="0"/>
               </a:rPr>
-              <a:t>Data Understanding</a:t>
+              <a:t>Modeling</a:t>
             </a:r>
             <a:endParaRPr sz="1800" dirty="0">
               <a:latin typeface="Arial" panose="020B0604020202020204" pitchFamily="34" charset="0"/>
@@ -9586,16 +9520,12 @@
               <a:buChar char="•"/>
             </a:pPr>
             <a:r>
-              <a:rPr lang="en-US" sz="1800" dirty="0">
+              <a:rPr lang="en" sz="1800" dirty="0">
                 <a:latin typeface="Arial" panose="020B0604020202020204" pitchFamily="34" charset="0"/>
                 <a:cs typeface="Arial" panose="020B0604020202020204" pitchFamily="34" charset="0"/>
               </a:rPr>
-              <a:t>Modeling</a:t>
-            </a:r>
-            <a:endParaRPr sz="1800" dirty="0">
-              <a:latin typeface="Arial" panose="020B0604020202020204" pitchFamily="34" charset="0"/>
-              <a:cs typeface="Arial" panose="020B0604020202020204" pitchFamily="34" charset="0"/>
-            </a:endParaRPr>
+              <a:t>Regression Results</a:t>
+            </a:r>
           </a:p>
           <a:p>
             <a:pPr marL="349250" indent="-285750">
@@ -9608,7 +9538,7 @@
                 <a:latin typeface="Arial" panose="020B0604020202020204" pitchFamily="34" charset="0"/>
                 <a:cs typeface="Arial" panose="020B0604020202020204" pitchFamily="34" charset="0"/>
               </a:rPr>
-              <a:t>Regression Results</a:t>
+              <a:t>Limitations</a:t>
             </a:r>
             <a:endParaRPr sz="1800" dirty="0">
               <a:latin typeface="Arial" panose="020B0604020202020204" pitchFamily="34" charset="0"/>
@@ -9734,14 +9664,14 @@
           <p:nvPr>
             <p:extLst>
               <p:ext uri="{D42A27DB-BD31-4B8C-83A1-F6EECF244321}">
-                <p14:modId xmlns:p14="http://schemas.microsoft.com/office/powerpoint/2010/main" val="1747096701"/>
+                <p14:modId xmlns:p14="http://schemas.microsoft.com/office/powerpoint/2010/main" val="3642260642"/>
               </p:ext>
             </p:extLst>
           </p:nvPr>
         </p:nvGraphicFramePr>
         <p:xfrm>
-          <a:off x="4691223" y="270530"/>
-          <a:ext cx="4414345" cy="4602439"/>
+          <a:off x="4572002" y="2352502"/>
+          <a:ext cx="4512548" cy="2719699"/>
         </p:xfrm>
         <a:graphic>
           <a:graphicData uri="http://schemas.openxmlformats.org/drawingml/2006/table">
@@ -9750,14 +9680,14 @@
                 <a:tableStyleId>{5C22544A-7EE6-4342-B048-85BDC9FD1C3A}</a:tableStyleId>
               </a:tblPr>
               <a:tblGrid>
-                <a:gridCol w="1093076">
+                <a:gridCol w="987970">
                   <a:extLst>
                     <a:ext uri="{9D8B030D-6E8A-4147-A177-3AD203B41FA5}">
                       <a16:colId xmlns:a16="http://schemas.microsoft.com/office/drawing/2014/main" val="2813417651"/>
                     </a:ext>
                   </a:extLst>
                 </a:gridCol>
-                <a:gridCol w="3321269">
+                <a:gridCol w="3524578">
                   <a:extLst>
                     <a:ext uri="{9D8B030D-6E8A-4147-A177-3AD203B41FA5}">
                       <a16:colId xmlns:a16="http://schemas.microsoft.com/office/drawing/2014/main" val="1513253730"/>
@@ -9765,15 +9695,22 @@
                   </a:extLst>
                 </a:gridCol>
               </a:tblGrid>
-              <a:tr h="0">
+              <a:tr h="497289">
                 <a:tc>
                   <a:txBody>
                     <a:bodyPr/>
                     <a:lstStyle/>
                     <a:p>
-                      <a:pPr algn="ctr"/>
+                      <a:pPr marL="0" algn="ctr" defTabSz="342900" rtl="0" eaLnBrk="1" latinLnBrk="0" hangingPunct="1"/>
                       <a:r>
-                        <a:rPr lang="en-US" dirty="0"/>
+                        <a:rPr lang="en-US" sz="1200" b="1" kern="1200" dirty="0">
+                          <a:solidFill>
+                            <a:schemeClr val="lt1"/>
+                          </a:solidFill>
+                          <a:latin typeface="+mn-lt"/>
+                          <a:ea typeface="+mn-ea"/>
+                          <a:cs typeface="+mn-cs"/>
+                        </a:rPr>
                         <a:t>Feature</a:t>
                       </a:r>
                     </a:p>
@@ -9803,13 +9740,27 @@
                         <a:defRPr/>
                       </a:pPr>
                       <a:r>
-                        <a:rPr lang="en-US" dirty="0"/>
+                        <a:rPr lang="en-US" sz="1200" b="1" kern="1200" dirty="0">
+                          <a:solidFill>
+                            <a:schemeClr val="lt1"/>
+                          </a:solidFill>
+                          <a:latin typeface="+mn-lt"/>
+                          <a:ea typeface="+mn-ea"/>
+                          <a:cs typeface="+mn-cs"/>
+                        </a:rPr>
                         <a:t>Description</a:t>
                       </a:r>
                     </a:p>
                     <a:p>
-                      <a:pPr algn="ctr"/>
-                      <a:endParaRPr lang="en-US" dirty="0"/>
+                      <a:pPr marL="0" algn="ctr" defTabSz="342900" rtl="0" eaLnBrk="1" latinLnBrk="0" hangingPunct="1"/>
+                      <a:endParaRPr lang="en-US" sz="1200" b="1" kern="1200" dirty="0">
+                        <a:solidFill>
+                          <a:schemeClr val="lt1"/>
+                        </a:solidFill>
+                        <a:latin typeface="+mn-lt"/>
+                        <a:ea typeface="+mn-ea"/>
+                        <a:cs typeface="+mn-cs"/>
+                      </a:endParaRPr>
                     </a:p>
                   </a:txBody>
                   <a:tcPr/>
@@ -9820,46 +9771,7 @@
                   </a:ext>
                 </a:extLst>
               </a:tr>
-              <a:tr h="577226">
-                <a:tc>
-                  <a:txBody>
-                    <a:bodyPr/>
-                    <a:lstStyle/>
-                    <a:p>
-                      <a:r>
-                        <a:rPr lang="en-US" sz="1100" b="1" dirty="0">
-                          <a:latin typeface="Arial" panose="020B0604020202020204" pitchFamily="34" charset="0"/>
-                          <a:cs typeface="Arial" panose="020B0604020202020204" pitchFamily="34" charset="0"/>
-                        </a:rPr>
-                        <a:t>Home Price</a:t>
-                      </a:r>
-                    </a:p>
-                  </a:txBody>
-                  <a:tcPr/>
-                </a:tc>
-                <a:tc>
-                  <a:txBody>
-                    <a:bodyPr/>
-                    <a:lstStyle/>
-                    <a:p>
-                      <a:r>
-                        <a:rPr lang="en-US" sz="1100" dirty="0">
-                          <a:latin typeface="Arial" panose="020B0604020202020204" pitchFamily="34" charset="0"/>
-                          <a:cs typeface="Arial" panose="020B0604020202020204" pitchFamily="34" charset="0"/>
-                        </a:rPr>
-                        <a:t>Price will be out target variable. Price is the amount of the house in context of the current attributes. </a:t>
-                      </a:r>
-                    </a:p>
-                  </a:txBody>
-                  <a:tcPr/>
-                </a:tc>
-                <a:extLst>
-                  <a:ext uri="{0D108BD9-81ED-4DB2-BD59-A6C34878D82A}">
-                    <a16:rowId xmlns:a16="http://schemas.microsoft.com/office/drawing/2014/main" val="2160546011"/>
-                  </a:ext>
-                </a:extLst>
-              </a:tr>
-              <a:tr h="317857">
+              <a:tr h="304282">
                 <a:tc>
                   <a:txBody>
                     <a:bodyPr/>
@@ -9898,7 +9810,7 @@
                   </a:ext>
                 </a:extLst>
               </a:tr>
-              <a:tr h="317857">
+              <a:tr h="304282">
                 <a:tc>
                   <a:txBody>
                     <a:bodyPr/>
@@ -9937,53 +9849,7 @@
                   </a:ext>
                 </a:extLst>
               </a:tr>
-              <a:tr h="317857">
-                <a:tc>
-                  <a:txBody>
-                    <a:bodyPr/>
-                    <a:lstStyle/>
-                    <a:p>
-                      <a:r>
-                        <a:rPr lang="en-US" sz="1100" b="1" dirty="0" err="1">
-                          <a:latin typeface="Arial" panose="020B0604020202020204" pitchFamily="34" charset="0"/>
-                          <a:cs typeface="Arial" panose="020B0604020202020204" pitchFamily="34" charset="0"/>
-                        </a:rPr>
-                        <a:t>Sqft</a:t>
-                      </a:r>
-                      <a:r>
-                        <a:rPr lang="en-US" sz="1100" b="1" dirty="0">
-                          <a:latin typeface="Arial" panose="020B0604020202020204" pitchFamily="34" charset="0"/>
-                          <a:cs typeface="Arial" panose="020B0604020202020204" pitchFamily="34" charset="0"/>
-                        </a:rPr>
-                        <a:t> Living</a:t>
-                      </a:r>
-                    </a:p>
-                  </a:txBody>
-                  <a:tcPr/>
-                </a:tc>
-                <a:tc>
-                  <a:txBody>
-                    <a:bodyPr/>
-                    <a:lstStyle/>
-                    <a:p>
-                      <a:r>
-                        <a:rPr lang="en-US" sz="1100" dirty="0">
-                          <a:latin typeface="Arial" panose="020B0604020202020204" pitchFamily="34" charset="0"/>
-                          <a:cs typeface="Arial" panose="020B0604020202020204" pitchFamily="34" charset="0"/>
-                        </a:rPr>
-                        <a:t>The size of the livable space in the house</a:t>
-                      </a:r>
-                    </a:p>
-                  </a:txBody>
-                  <a:tcPr/>
-                </a:tc>
-                <a:extLst>
-                  <a:ext uri="{0D108BD9-81ED-4DB2-BD59-A6C34878D82A}">
-                    <a16:rowId xmlns:a16="http://schemas.microsoft.com/office/drawing/2014/main" val="4265426108"/>
-                  </a:ext>
-                </a:extLst>
-              </a:tr>
-              <a:tr h="317857">
+              <a:tr h="304282">
                 <a:tc>
                   <a:txBody>
                     <a:bodyPr/>
@@ -10029,7 +9895,7 @@
                   </a:ext>
                 </a:extLst>
               </a:tr>
-              <a:tr h="317857">
+              <a:tr h="304282">
                 <a:tc>
                   <a:txBody>
                     <a:bodyPr/>
@@ -10068,7 +9934,7 @@
                   </a:ext>
                 </a:extLst>
               </a:tr>
-              <a:tr h="317857">
+              <a:tr h="304282">
                 <a:tc>
                   <a:txBody>
                     <a:bodyPr/>
@@ -10107,85 +9973,7 @@
                   </a:ext>
                 </a:extLst>
               </a:tr>
-              <a:tr h="414418">
-                <a:tc>
-                  <a:txBody>
-                    <a:bodyPr/>
-                    <a:lstStyle/>
-                    <a:p>
-                      <a:r>
-                        <a:rPr lang="en-US" sz="1100" b="1" dirty="0">
-                          <a:latin typeface="Arial" panose="020B0604020202020204" pitchFamily="34" charset="0"/>
-                          <a:cs typeface="Arial" panose="020B0604020202020204" pitchFamily="34" charset="0"/>
-                        </a:rPr>
-                        <a:t>Condition</a:t>
-                      </a:r>
-                    </a:p>
-                  </a:txBody>
-                  <a:tcPr/>
-                </a:tc>
-                <a:tc>
-                  <a:txBody>
-                    <a:bodyPr/>
-                    <a:lstStyle/>
-                    <a:p>
-                      <a:r>
-                        <a:rPr lang="en-US" sz="1100" dirty="0">
-                          <a:latin typeface="Arial" panose="020B0604020202020204" pitchFamily="34" charset="0"/>
-                          <a:cs typeface="Arial" panose="020B0604020202020204" pitchFamily="34" charset="0"/>
-                        </a:rPr>
-                        <a:t>How good the overall condition of the house is. Related to maintenance of house.</a:t>
-                      </a:r>
-                    </a:p>
-                  </a:txBody>
-                  <a:tcPr/>
-                </a:tc>
-                <a:extLst>
-                  <a:ext uri="{0D108BD9-81ED-4DB2-BD59-A6C34878D82A}">
-                    <a16:rowId xmlns:a16="http://schemas.microsoft.com/office/drawing/2014/main" val="450880096"/>
-                  </a:ext>
-                </a:extLst>
-              </a:tr>
-              <a:tr h="414418">
-                <a:tc>
-                  <a:txBody>
-                    <a:bodyPr/>
-                    <a:lstStyle/>
-                    <a:p>
-                      <a:r>
-                        <a:rPr lang="en-US" sz="1100" b="1" dirty="0">
-                          <a:latin typeface="Arial" panose="020B0604020202020204" pitchFamily="34" charset="0"/>
-                          <a:cs typeface="Arial" panose="020B0604020202020204" pitchFamily="34" charset="0"/>
-                        </a:rPr>
-                        <a:t>Grade</a:t>
-                      </a:r>
-                    </a:p>
-                  </a:txBody>
-                  <a:tcPr/>
-                </a:tc>
-                <a:tc>
-                  <a:txBody>
-                    <a:bodyPr/>
-                    <a:lstStyle/>
-                    <a:p>
-                      <a:r>
-                        <a:rPr lang="en-US" sz="1100" dirty="0">
-                          <a:latin typeface="Arial" panose="020B0604020202020204" pitchFamily="34" charset="0"/>
-                          <a:cs typeface="Arial" panose="020B0604020202020204" pitchFamily="34" charset="0"/>
-                        </a:rPr>
-                        <a:t>Overall grade of the house. Related to the construction and design of the house.</a:t>
-                      </a:r>
-                    </a:p>
-                  </a:txBody>
-                  <a:tcPr/>
-                </a:tc>
-                <a:extLst>
-                  <a:ext uri="{0D108BD9-81ED-4DB2-BD59-A6C34878D82A}">
-                    <a16:rowId xmlns:a16="http://schemas.microsoft.com/office/drawing/2014/main" val="1769059774"/>
-                  </a:ext>
-                </a:extLst>
-              </a:tr>
-              <a:tr h="317857">
+              <a:tr h="304282">
                 <a:tc>
                   <a:txBody>
                     <a:bodyPr/>
@@ -10231,7 +10019,7 @@
                   </a:ext>
                 </a:extLst>
               </a:tr>
-              <a:tr h="414418">
+              <a:tr h="396718">
                 <a:tc>
                   <a:txBody>
                     <a:bodyPr/>
@@ -10292,8 +10080,8 @@
         </p:nvSpPr>
         <p:spPr>
           <a:xfrm>
-            <a:off x="-94592" y="1545020"/>
-            <a:ext cx="4785816" cy="2308324"/>
+            <a:off x="-86279" y="1660004"/>
+            <a:ext cx="4785816" cy="1384995"/>
           </a:xfrm>
           <a:prstGeom prst="rect">
             <a:avLst/>
@@ -10314,60 +10102,20 @@
               <a:buChar char="•"/>
             </a:pPr>
             <a:r>
-              <a:rPr lang="en-US" sz="1600" b="1" dirty="0">
+              <a:rPr lang="en-US" b="1" dirty="0">
                 <a:solidFill>
                   <a:schemeClr val="tx1"/>
                 </a:solidFill>
               </a:rPr>
-              <a:t>Primary Stakeholder: </a:t>
-            </a:r>
-            <a:r>
-              <a:rPr lang="en-US" sz="1600" dirty="0">
+              <a:t>Stakeholder: </a:t>
+            </a:r>
+            <a:r>
+              <a:rPr lang="en-US" dirty="0">
                 <a:solidFill>
                   <a:schemeClr val="tx1"/>
                 </a:solidFill>
               </a:rPr>
               <a:t>Real Estate Agency</a:t>
-            </a:r>
-          </a:p>
-          <a:p>
-            <a:pPr marL="285750" lvl="1" indent="-285750">
-              <a:buClr>
-                <a:schemeClr val="accent1"/>
-              </a:buClr>
-              <a:buFont typeface="Arial" panose="020B0604020202020204" pitchFamily="34" charset="0"/>
-              <a:buChar char="•"/>
-            </a:pPr>
-            <a:r>
-              <a:rPr lang="en-US" sz="1600" b="1" dirty="0">
-                <a:solidFill>
-                  <a:schemeClr val="tx1"/>
-                </a:solidFill>
-              </a:rPr>
-              <a:t>Secondary Stakeholder : </a:t>
-            </a:r>
-            <a:r>
-              <a:rPr lang="en-US" sz="1600" dirty="0">
-                <a:solidFill>
-                  <a:schemeClr val="tx1"/>
-                </a:solidFill>
-              </a:rPr>
-              <a:t>Homeowners, </a:t>
-            </a:r>
-          </a:p>
-          <a:p>
-            <a:pPr lvl="2">
-              <a:buClr>
-                <a:schemeClr val="accent1"/>
-              </a:buClr>
-            </a:pPr>
-            <a:r>
-              <a:rPr lang="en-US" sz="1600" dirty="0">
-                <a:solidFill>
-                  <a:schemeClr val="tx1"/>
-                </a:solidFill>
-              </a:rPr>
-              <a:t>                                   Homebuyers &amp; Businesses</a:t>
             </a:r>
           </a:p>
           <a:p>
@@ -10379,60 +10127,21 @@
               <a:buChar char="•"/>
             </a:pPr>
             <a:r>
-              <a:rPr lang="en-US" sz="1600" b="1" dirty="0">
+              <a:rPr lang="en-US" b="1" dirty="0">
                 <a:solidFill>
                   <a:schemeClr val="tx1"/>
                 </a:solidFill>
               </a:rPr>
-              <a:t>Primary Use case: </a:t>
-            </a:r>
-            <a:r>
-              <a:rPr lang="en-US" sz="1600" dirty="0">
+              <a:t>Use case: </a:t>
+            </a:r>
+            <a:r>
+              <a:rPr lang="en-US" dirty="0">
                 <a:solidFill>
                   <a:schemeClr val="tx1"/>
                 </a:solidFill>
               </a:rPr>
-              <a:t>Price difference after home    		                  improvements</a:t>
-            </a:r>
-          </a:p>
-          <a:p>
-            <a:pPr marL="285750" lvl="5" indent="-285750">
-              <a:buClr>
-                <a:schemeClr val="accent1"/>
-              </a:buClr>
-              <a:buFont typeface="Arial" panose="020B0604020202020204" pitchFamily="34" charset="0"/>
-              <a:buChar char="•"/>
-            </a:pPr>
-            <a:r>
-              <a:rPr lang="en-US" sz="1600" b="1" dirty="0">
-                <a:solidFill>
-                  <a:schemeClr val="tx1"/>
-                </a:solidFill>
-              </a:rPr>
-              <a:t>Dataset Filtered: </a:t>
-            </a:r>
-            <a:r>
-              <a:rPr lang="en-US" sz="1600" dirty="0">
-                <a:solidFill>
-                  <a:schemeClr val="tx1"/>
-                </a:solidFill>
-              </a:rPr>
-              <a:t>20  </a:t>
-            </a:r>
-            <a:r>
-              <a:rPr lang="en-US" sz="1600" dirty="0">
-                <a:solidFill>
-                  <a:schemeClr val="tx1"/>
-                </a:solidFill>
-                <a:sym typeface="Wingdings" pitchFamily="2" charset="2"/>
-              </a:rPr>
-              <a:t> 11 Features</a:t>
-            </a:r>
-            <a:endParaRPr lang="en-US" sz="1600" dirty="0">
-              <a:solidFill>
-                <a:schemeClr val="tx1"/>
-              </a:solidFill>
-            </a:endParaRPr>
+              <a:t>Improvements Home Value Change</a:t>
+            </a:r>
           </a:p>
           <a:p>
             <a:pPr marL="285750" indent="-285750">
@@ -10443,21 +10152,35 @@
               <a:buChar char="•"/>
             </a:pPr>
             <a:r>
-              <a:rPr lang="en-US" sz="1600" b="1" dirty="0">
+              <a:rPr lang="en-US" b="1" dirty="0">
                 <a:solidFill>
                   <a:schemeClr val="tx1"/>
                 </a:solidFill>
               </a:rPr>
-              <a:t>Target Variable: </a:t>
-            </a:r>
-            <a:r>
-              <a:rPr lang="en-US" sz="1600" dirty="0">
+              <a:t>Dataset Filtered: </a:t>
+            </a:r>
+            <a:r>
+              <a:rPr lang="en-US" dirty="0">
                 <a:solidFill>
                   <a:schemeClr val="tx1"/>
                 </a:solidFill>
               </a:rPr>
-              <a:t>Home Price</a:t>
-            </a:r>
+              <a:t>20  </a:t>
+            </a:r>
+            <a:r>
+              <a:rPr lang="en-US" dirty="0">
+                <a:solidFill>
+                  <a:schemeClr val="tx1"/>
+                </a:solidFill>
+                <a:sym typeface="Wingdings" pitchFamily="2" charset="2"/>
+              </a:rPr>
+              <a:t> 11 Features</a:t>
+            </a:r>
+            <a:endParaRPr lang="en-US" dirty="0">
+              <a:solidFill>
+                <a:schemeClr val="tx1"/>
+              </a:solidFill>
+            </a:endParaRPr>
           </a:p>
           <a:p>
             <a:pPr marL="285750" indent="-285750">
@@ -10468,15 +10191,73 @@
               <a:buChar char="•"/>
             </a:pPr>
             <a:r>
-              <a:rPr lang="en-US" sz="1600" b="1" dirty="0">
+              <a:rPr lang="en-US" b="1" dirty="0">
                 <a:solidFill>
                   <a:schemeClr val="tx1"/>
                 </a:solidFill>
               </a:rPr>
+              <a:t>Target Variable: </a:t>
+            </a:r>
+            <a:r>
+              <a:rPr lang="en-US" dirty="0">
+                <a:solidFill>
+                  <a:schemeClr val="tx1"/>
+                </a:solidFill>
+              </a:rPr>
+              <a:t>Home Price</a:t>
+            </a:r>
+          </a:p>
+          <a:p>
+            <a:pPr marL="285750" indent="-285750">
+              <a:buClr>
+                <a:schemeClr val="accent1"/>
+              </a:buClr>
+              <a:buFont typeface="Arial" panose="020B0604020202020204" pitchFamily="34" charset="0"/>
+              <a:buChar char="•"/>
+            </a:pPr>
+            <a:r>
+              <a:rPr lang="en-US" b="1" dirty="0">
+                <a:solidFill>
+                  <a:schemeClr val="tx1"/>
+                </a:solidFill>
+              </a:rPr>
+              <a:t>Main Coefficients: </a:t>
+            </a:r>
+            <a:r>
+              <a:rPr lang="en-US" dirty="0" err="1">
+                <a:solidFill>
+                  <a:schemeClr val="tx1"/>
+                </a:solidFill>
+              </a:rPr>
+              <a:t>Sqft</a:t>
+            </a:r>
+            <a:r>
+              <a:rPr lang="en-US" dirty="0">
+                <a:solidFill>
+                  <a:schemeClr val="tx1"/>
+                </a:solidFill>
+              </a:rPr>
+              <a:t> Living, Condition &amp; Grade</a:t>
+            </a:r>
+          </a:p>
+          <a:p>
+            <a:pPr marL="285750" indent="-285750">
+              <a:buClr>
+                <a:schemeClr val="accent1"/>
+              </a:buClr>
+              <a:buFont typeface="Arial" panose="020B0604020202020204" pitchFamily="34" charset="0"/>
+              <a:buChar char="•"/>
+            </a:pPr>
+            <a:r>
+              <a:rPr lang="en-US" b="1" dirty="0">
+                <a:solidFill>
+                  <a:schemeClr val="tx1"/>
+                </a:solidFill>
+              </a:rPr>
               <a:t>Modified Prediction Variables: </a:t>
             </a:r>
             <a:r>
-              <a:rPr lang="en-US" sz="1600" dirty="0">
+              <a:rPr lang="en-US" dirty="0">
                 <a:solidFill>
                   <a:schemeClr val="tx1"/>
                 </a:solidFill>
@@ -10486,6 +10267,339 @@
           </a:p>
         </p:txBody>
       </p:sp>
+      <p:graphicFrame>
+        <p:nvGraphicFramePr>
+          <p:cNvPr id="5" name="Table 4">
+            <a:extLst>
+              <a:ext uri="{FF2B5EF4-FFF2-40B4-BE49-F238E27FC236}">
+                <a16:creationId xmlns:a16="http://schemas.microsoft.com/office/drawing/2014/main" id="{5286CD47-08A5-B743-B467-D2FF4262091F}"/>
+              </a:ext>
+            </a:extLst>
+          </p:cNvPr>
+          <p:cNvGraphicFramePr>
+            <a:graphicFrameLocks noGrp="1"/>
+          </p:cNvGraphicFramePr>
+          <p:nvPr>
+            <p:extLst>
+              <p:ext uri="{D42A27DB-BD31-4B8C-83A1-F6EECF244321}">
+                <p14:modId xmlns:p14="http://schemas.microsoft.com/office/powerpoint/2010/main" val="2907036553"/>
+              </p:ext>
+            </p:extLst>
+          </p:nvPr>
+        </p:nvGraphicFramePr>
+        <p:xfrm>
+          <a:off x="4572002" y="131062"/>
+          <a:ext cx="4512548" cy="2050148"/>
+        </p:xfrm>
+        <a:graphic>
+          <a:graphicData uri="http://schemas.openxmlformats.org/drawingml/2006/table">
+            <a:tbl>
+              <a:tblPr firstRow="1" bandRow="1">
+                <a:tableStyleId>{00A15C55-8517-42AA-B614-E9B94910E393}</a:tableStyleId>
+              </a:tblPr>
+              <a:tblGrid>
+                <a:gridCol w="995517">
+                  <a:extLst>
+                    <a:ext uri="{9D8B030D-6E8A-4147-A177-3AD203B41FA5}">
+                      <a16:colId xmlns:a16="http://schemas.microsoft.com/office/drawing/2014/main" val="2813417651"/>
+                    </a:ext>
+                  </a:extLst>
+                </a:gridCol>
+                <a:gridCol w="3517031">
+                  <a:extLst>
+                    <a:ext uri="{9D8B030D-6E8A-4147-A177-3AD203B41FA5}">
+                      <a16:colId xmlns:a16="http://schemas.microsoft.com/office/drawing/2014/main" val="1513253730"/>
+                    </a:ext>
+                  </a:extLst>
+                </a:gridCol>
+              </a:tblGrid>
+              <a:tr h="406516">
+                <a:tc>
+                  <a:txBody>
+                    <a:bodyPr/>
+                    <a:lstStyle/>
+                    <a:p>
+                      <a:pPr marL="0" algn="ctr" defTabSz="342900" rtl="0" eaLnBrk="1" latinLnBrk="0" hangingPunct="1"/>
+                      <a:r>
+                        <a:rPr lang="en-US" sz="1200" b="1" kern="1200" dirty="0">
+                          <a:solidFill>
+                            <a:schemeClr val="lt1"/>
+                          </a:solidFill>
+                          <a:latin typeface="+mn-lt"/>
+                          <a:ea typeface="+mn-ea"/>
+                          <a:cs typeface="+mn-cs"/>
+                        </a:rPr>
+                        <a:t>Main Features</a:t>
+                      </a:r>
+                    </a:p>
+                  </a:txBody>
+                  <a:tcPr/>
+                </a:tc>
+                <a:tc>
+                  <a:txBody>
+                    <a:bodyPr/>
+                    <a:lstStyle/>
+                    <a:p>
+                      <a:pPr marL="0" marR="0" lvl="0" indent="0" algn="ctr" defTabSz="342900" rtl="0" eaLnBrk="1" fontAlgn="auto" latinLnBrk="0" hangingPunct="1">
+                        <a:lnSpc>
+                          <a:spcPct val="100000"/>
+                        </a:lnSpc>
+                        <a:spcBef>
+                          <a:spcPts val="0"/>
+                        </a:spcBef>
+                        <a:spcAft>
+                          <a:spcPts val="0"/>
+                        </a:spcAft>
+                        <a:buClrTx/>
+                        <a:buSzTx/>
+                        <a:buFontTx/>
+                        <a:buNone/>
+                        <a:tabLst/>
+                        <a:defRPr/>
+                      </a:pPr>
+                      <a:r>
+                        <a:rPr lang="en-US" sz="1200" b="1" kern="1200" dirty="0">
+                          <a:solidFill>
+                            <a:schemeClr val="lt1"/>
+                          </a:solidFill>
+                          <a:latin typeface="+mn-lt"/>
+                          <a:ea typeface="+mn-ea"/>
+                          <a:cs typeface="+mn-cs"/>
+                        </a:rPr>
+                        <a:t>Description</a:t>
+                      </a:r>
+                    </a:p>
+                    <a:p>
+                      <a:pPr marL="0" algn="ctr" defTabSz="342900" rtl="0" eaLnBrk="1" latinLnBrk="0" hangingPunct="1"/>
+                      <a:endParaRPr lang="en-US" sz="1200" b="1" kern="1200" dirty="0">
+                        <a:solidFill>
+                          <a:schemeClr val="lt1"/>
+                        </a:solidFill>
+                        <a:latin typeface="+mn-lt"/>
+                        <a:ea typeface="+mn-ea"/>
+                        <a:cs typeface="+mn-cs"/>
+                      </a:endParaRPr>
+                    </a:p>
+                  </a:txBody>
+                  <a:tcPr/>
+                </a:tc>
+                <a:extLst>
+                  <a:ext uri="{0D108BD9-81ED-4DB2-BD59-A6C34878D82A}">
+                    <a16:rowId xmlns:a16="http://schemas.microsoft.com/office/drawing/2014/main" val="820061528"/>
+                  </a:ext>
+                </a:extLst>
+              </a:tr>
+              <a:tr h="480428">
+                <a:tc>
+                  <a:txBody>
+                    <a:bodyPr/>
+                    <a:lstStyle/>
+                    <a:p>
+                      <a:pPr marL="0" algn="l" defTabSz="342900" rtl="0" eaLnBrk="1" latinLnBrk="0" hangingPunct="1"/>
+                      <a:r>
+                        <a:rPr lang="en-US" sz="1100" b="1" kern="1200" dirty="0">
+                          <a:solidFill>
+                            <a:schemeClr val="dk1"/>
+                          </a:solidFill>
+                          <a:latin typeface="Arial" panose="020B0604020202020204" pitchFamily="34" charset="0"/>
+                          <a:ea typeface="+mn-ea"/>
+                          <a:cs typeface="Arial" panose="020B0604020202020204" pitchFamily="34" charset="0"/>
+                        </a:rPr>
+                        <a:t>Home Price</a:t>
+                      </a:r>
+                    </a:p>
+                  </a:txBody>
+                  <a:tcPr/>
+                </a:tc>
+                <a:tc>
+                  <a:txBody>
+                    <a:bodyPr/>
+                    <a:lstStyle/>
+                    <a:p>
+                      <a:pPr marL="0" algn="l" defTabSz="342900" rtl="0" eaLnBrk="1" latinLnBrk="0" hangingPunct="1"/>
+                      <a:r>
+                        <a:rPr lang="en-US" sz="1100" kern="1200" dirty="0">
+                          <a:solidFill>
+                            <a:schemeClr val="dk1"/>
+                          </a:solidFill>
+                          <a:latin typeface="Arial" panose="020B0604020202020204" pitchFamily="34" charset="0"/>
+                          <a:ea typeface="+mn-ea"/>
+                          <a:cs typeface="Arial" panose="020B0604020202020204" pitchFamily="34" charset="0"/>
+                        </a:rPr>
+                        <a:t>Price will be out target variable. Price is the amount of the house in context of the current attributes. </a:t>
+                      </a:r>
+                    </a:p>
+                  </a:txBody>
+                  <a:tcPr/>
+                </a:tc>
+                <a:extLst>
+                  <a:ext uri="{0D108BD9-81ED-4DB2-BD59-A6C34878D82A}">
+                    <a16:rowId xmlns:a16="http://schemas.microsoft.com/office/drawing/2014/main" val="2160546011"/>
+                  </a:ext>
+                </a:extLst>
+              </a:tr>
+              <a:tr h="256927">
+                <a:tc>
+                  <a:txBody>
+                    <a:bodyPr/>
+                    <a:lstStyle/>
+                    <a:p>
+                      <a:pPr marL="0" algn="l" defTabSz="342900" rtl="0" eaLnBrk="1" latinLnBrk="0" hangingPunct="1"/>
+                      <a:r>
+                        <a:rPr lang="en-US" sz="1100" b="1" kern="1200" dirty="0" err="1">
+                          <a:solidFill>
+                            <a:schemeClr val="dk1"/>
+                          </a:solidFill>
+                          <a:latin typeface="Arial" panose="020B0604020202020204" pitchFamily="34" charset="0"/>
+                          <a:ea typeface="+mn-ea"/>
+                          <a:cs typeface="Arial" panose="020B0604020202020204" pitchFamily="34" charset="0"/>
+                        </a:rPr>
+                        <a:t>Sqft</a:t>
+                      </a:r>
+                      <a:r>
+                        <a:rPr lang="en-US" sz="1100" b="1" kern="1200" dirty="0">
+                          <a:solidFill>
+                            <a:schemeClr val="dk1"/>
+                          </a:solidFill>
+                          <a:latin typeface="Arial" panose="020B0604020202020204" pitchFamily="34" charset="0"/>
+                          <a:ea typeface="+mn-ea"/>
+                          <a:cs typeface="Arial" panose="020B0604020202020204" pitchFamily="34" charset="0"/>
+                        </a:rPr>
+                        <a:t> Living</a:t>
+                      </a:r>
+                    </a:p>
+                  </a:txBody>
+                  <a:tcPr/>
+                </a:tc>
+                <a:tc>
+                  <a:txBody>
+                    <a:bodyPr/>
+                    <a:lstStyle/>
+                    <a:p>
+                      <a:pPr marL="0" algn="l" defTabSz="342900" rtl="0" eaLnBrk="1" latinLnBrk="0" hangingPunct="1"/>
+                      <a:r>
+                        <a:rPr lang="en-US" sz="1100" kern="1200" dirty="0">
+                          <a:solidFill>
+                            <a:schemeClr val="dk1"/>
+                          </a:solidFill>
+                          <a:latin typeface="Arial" panose="020B0604020202020204" pitchFamily="34" charset="0"/>
+                          <a:ea typeface="+mn-ea"/>
+                          <a:cs typeface="Arial" panose="020B0604020202020204" pitchFamily="34" charset="0"/>
+                        </a:rPr>
+                        <a:t>The size of the livable space in the house</a:t>
+                      </a:r>
+                    </a:p>
+                  </a:txBody>
+                  <a:tcPr/>
+                </a:tc>
+                <a:extLst>
+                  <a:ext uri="{0D108BD9-81ED-4DB2-BD59-A6C34878D82A}">
+                    <a16:rowId xmlns:a16="http://schemas.microsoft.com/office/drawing/2014/main" val="4265426108"/>
+                  </a:ext>
+                </a:extLst>
+              </a:tr>
+              <a:tr h="344923">
+                <a:tc>
+                  <a:txBody>
+                    <a:bodyPr/>
+                    <a:lstStyle/>
+                    <a:p>
+                      <a:pPr marL="0" algn="l" defTabSz="342900" rtl="0" eaLnBrk="1" latinLnBrk="0" hangingPunct="1"/>
+                      <a:r>
+                        <a:rPr lang="en-US" sz="1100" b="1" kern="1200" dirty="0">
+                          <a:solidFill>
+                            <a:schemeClr val="dk1"/>
+                          </a:solidFill>
+                          <a:latin typeface="Arial" panose="020B0604020202020204" pitchFamily="34" charset="0"/>
+                          <a:ea typeface="+mn-ea"/>
+                          <a:cs typeface="Arial" panose="020B0604020202020204" pitchFamily="34" charset="0"/>
+                        </a:rPr>
+                        <a:t>Condition</a:t>
+                      </a:r>
+                    </a:p>
+                  </a:txBody>
+                  <a:tcPr/>
+                </a:tc>
+                <a:tc>
+                  <a:txBody>
+                    <a:bodyPr/>
+                    <a:lstStyle/>
+                    <a:p>
+                      <a:pPr marL="0" algn="l" defTabSz="342900" rtl="0" eaLnBrk="1" latinLnBrk="0" hangingPunct="1"/>
+                      <a:r>
+                        <a:rPr lang="en-US" sz="1100" kern="1200" dirty="0">
+                          <a:solidFill>
+                            <a:schemeClr val="dk1"/>
+                          </a:solidFill>
+                          <a:latin typeface="Arial" panose="020B0604020202020204" pitchFamily="34" charset="0"/>
+                          <a:ea typeface="+mn-ea"/>
+                          <a:cs typeface="Arial" panose="020B0604020202020204" pitchFamily="34" charset="0"/>
+                        </a:rPr>
+                        <a:t>How good the overall condition of the house is. Related to maintenance of house.</a:t>
+                      </a:r>
+                    </a:p>
+                  </a:txBody>
+                  <a:tcPr/>
+                </a:tc>
+                <a:extLst>
+                  <a:ext uri="{0D108BD9-81ED-4DB2-BD59-A6C34878D82A}">
+                    <a16:rowId xmlns:a16="http://schemas.microsoft.com/office/drawing/2014/main" val="3981314309"/>
+                  </a:ext>
+                </a:extLst>
+              </a:tr>
+              <a:tr h="344923">
+                <a:tc>
+                  <a:txBody>
+                    <a:bodyPr/>
+                    <a:lstStyle/>
+                    <a:p>
+                      <a:pPr marL="0" algn="l" defTabSz="342900" rtl="0" eaLnBrk="1" latinLnBrk="0" hangingPunct="1"/>
+                      <a:r>
+                        <a:rPr lang="en-US" sz="1100" b="1" kern="1200" dirty="0">
+                          <a:solidFill>
+                            <a:schemeClr val="dk1"/>
+                          </a:solidFill>
+                          <a:latin typeface="Arial" panose="020B0604020202020204" pitchFamily="34" charset="0"/>
+                          <a:ea typeface="+mn-ea"/>
+                          <a:cs typeface="Arial" panose="020B0604020202020204" pitchFamily="34" charset="0"/>
+                        </a:rPr>
+                        <a:t>Grade</a:t>
+                      </a:r>
+                    </a:p>
+                  </a:txBody>
+                  <a:tcPr/>
+                </a:tc>
+                <a:tc>
+                  <a:txBody>
+                    <a:bodyPr/>
+                    <a:lstStyle/>
+                    <a:p>
+                      <a:pPr marL="0" algn="l" defTabSz="342900" rtl="0" eaLnBrk="1" latinLnBrk="0" hangingPunct="1"/>
+                      <a:r>
+                        <a:rPr lang="en-US" sz="1100" kern="1200" dirty="0">
+                          <a:solidFill>
+                            <a:schemeClr val="dk1"/>
+                          </a:solidFill>
+                          <a:latin typeface="Arial" panose="020B0604020202020204" pitchFamily="34" charset="0"/>
+                          <a:ea typeface="+mn-ea"/>
+                          <a:cs typeface="Arial" panose="020B0604020202020204" pitchFamily="34" charset="0"/>
+                        </a:rPr>
+                        <a:t>Overall grade of the house. Related to the construction and design of the house.</a:t>
+                      </a:r>
+                    </a:p>
+                  </a:txBody>
+                  <a:tcPr/>
+                </a:tc>
+                <a:extLst>
+                  <a:ext uri="{0D108BD9-81ED-4DB2-BD59-A6C34878D82A}">
+                    <a16:rowId xmlns:a16="http://schemas.microsoft.com/office/drawing/2014/main" val="2911282198"/>
+                  </a:ext>
+                </a:extLst>
+              </a:tr>
+            </a:tbl>
+          </a:graphicData>
+        </a:graphic>
+      </p:graphicFrame>
     </p:spTree>
     <p:extLst>
       <p:ext uri="{BB962C8B-B14F-4D97-AF65-F5344CB8AC3E}">
@@ -10644,7 +10758,7 @@
                 <a:cs typeface="Arial"/>
                 <a:sym typeface="Arial"/>
               </a:rPr>
-              <a:t>The final accuracy metrics are “good enough” to use the model for basic home value predictions.</a:t>
+              <a:t>The final accuracy metrics:</a:t>
             </a:r>
           </a:p>
           <a:p>
@@ -10655,13 +10769,24 @@
               <a:buFont typeface="Arial" panose="020B0604020202020204" pitchFamily="34" charset="0"/>
               <a:buChar char="•"/>
             </a:pPr>
+            <a:r>
+              <a:rPr lang="en-US" sz="1600" dirty="0">
+                <a:solidFill>
+                  <a:schemeClr val="accent4"/>
+                </a:solidFill>
+                <a:latin typeface="Arial"/>
+                <a:cs typeface="Arial"/>
+                <a:sym typeface="Arial"/>
+              </a:rPr>
+              <a:t>Price Prediction Error (Root Mean Square Error [RMSE Score]): </a:t>
+            </a:r>
             <a:r>
               <a:rPr lang="en-US" sz="1600" dirty="0">
                 <a:latin typeface="Arial"/>
                 <a:cs typeface="Arial"/>
                 <a:sym typeface="Arial"/>
               </a:rPr>
-              <a:t>Model Error(Root Mean Square Error [RMSE Score]): .31</a:t>
+              <a:t>~$197,000</a:t>
             </a:r>
           </a:p>
           <a:p>
@@ -10672,13 +10797,24 @@
               <a:buFont typeface="Arial" panose="020B0604020202020204" pitchFamily="34" charset="0"/>
               <a:buChar char="•"/>
             </a:pPr>
+            <a:r>
+              <a:rPr lang="en-US" sz="1600" dirty="0">
+                <a:solidFill>
+                  <a:schemeClr val="accent4"/>
+                </a:solidFill>
+                <a:latin typeface="Arial"/>
+                <a:cs typeface="Arial"/>
+                <a:sym typeface="Arial"/>
+              </a:rPr>
+              <a:t>Model Goodness( R2 Score ): </a:t>
+            </a:r>
             <a:r>
               <a:rPr lang="en-US" sz="1600" dirty="0">
                 <a:latin typeface="Arial"/>
                 <a:cs typeface="Arial"/>
                 <a:sym typeface="Arial"/>
               </a:rPr>
-              <a:t>Prediction Accuracy( R2 Score ): .66</a:t>
+              <a:t>66%</a:t>
             </a:r>
           </a:p>
         </p:txBody>
@@ -10769,8 +10905,8 @@
         </p:nvSpPr>
         <p:spPr>
           <a:xfrm>
-            <a:off x="97883" y="784103"/>
-            <a:ext cx="8734417" cy="1969770"/>
+            <a:off x="97883" y="933732"/>
+            <a:ext cx="8734417" cy="2893100"/>
           </a:xfrm>
           <a:prstGeom prst="rect">
             <a:avLst/>
@@ -10783,6 +10919,67 @@
           </a:bodyPr>
           <a:lstStyle/>
           <a:p>
+            <a:pPr>
+              <a:buClr>
+                <a:schemeClr val="accent1"/>
+              </a:buClr>
+            </a:pPr>
+            <a:endParaRPr lang="en-US" dirty="0">
+              <a:solidFill>
+                <a:schemeClr val="tx1"/>
+              </a:solidFill>
+            </a:endParaRPr>
+          </a:p>
+          <a:p>
+            <a:pPr marL="285750" lvl="1" indent="-285750">
+              <a:buClr>
+                <a:schemeClr val="accent1"/>
+              </a:buClr>
+              <a:buFont typeface="Arial" panose="020B0604020202020204" pitchFamily="34" charset="0"/>
+              <a:buChar char="•"/>
+            </a:pPr>
+            <a:r>
+              <a:rPr lang="en-US" dirty="0">
+                <a:solidFill>
+                  <a:schemeClr val="accent4"/>
+                </a:solidFill>
+              </a:rPr>
+              <a:t>Grade Feature: </a:t>
+            </a:r>
+            <a:r>
+              <a:rPr lang="en-US" dirty="0">
+                <a:solidFill>
+                  <a:schemeClr val="tx1"/>
+                </a:solidFill>
+              </a:rPr>
+              <a:t>For every </a:t>
+            </a:r>
+            <a:r>
+              <a:rPr lang="en-US" dirty="0">
+                <a:solidFill>
+                  <a:schemeClr val="accent4"/>
+                </a:solidFill>
+              </a:rPr>
+              <a:t>one-unit increase </a:t>
+            </a:r>
+            <a:r>
+              <a:rPr lang="en-US" dirty="0">
+                <a:solidFill>
+                  <a:schemeClr val="tx1"/>
+                </a:solidFill>
+              </a:rPr>
+              <a:t>in the Grade, the home value increases by about </a:t>
+            </a:r>
+            <a:r>
+              <a:rPr lang="en-US" dirty="0">
+                <a:solidFill>
+                  <a:schemeClr val="accent4"/>
+                </a:solidFill>
+              </a:rPr>
+              <a:t>26%.</a:t>
+            </a:r>
+          </a:p>
+          <a:p>
             <a:pPr marL="285750" indent="-285750">
               <a:buClr>
                 <a:schemeClr val="accent1"/>
@@ -10790,11 +10987,46 @@
               <a:buFont typeface="Arial" panose="020B0604020202020204" pitchFamily="34" charset="0"/>
               <a:buChar char="•"/>
             </a:pPr>
-            <a:endParaRPr lang="en-US" dirty="0">
-              <a:solidFill>
-                <a:schemeClr val="tx1"/>
-              </a:solidFill>
-            </a:endParaRPr>
+            <a:r>
+              <a:rPr lang="en-US" dirty="0">
+                <a:solidFill>
+                  <a:schemeClr val="accent4"/>
+                </a:solidFill>
+              </a:rPr>
+              <a:t>Condition Feature: </a:t>
+            </a:r>
+            <a:r>
+              <a:rPr lang="en-US" dirty="0">
+                <a:solidFill>
+                  <a:schemeClr val="tx1"/>
+                </a:solidFill>
+              </a:rPr>
+              <a:t>For every </a:t>
+            </a:r>
+            <a:r>
+              <a:rPr lang="en-US" dirty="0">
+                <a:solidFill>
+                  <a:schemeClr val="accent4"/>
+                </a:solidFill>
+              </a:rPr>
+              <a:t>one-unit increase </a:t>
+            </a:r>
+            <a:r>
+              <a:rPr lang="en-US" dirty="0">
+                <a:solidFill>
+                  <a:schemeClr val="tx1"/>
+                </a:solidFill>
+              </a:rPr>
+              <a:t>in the Condition, the home value increases by about </a:t>
+            </a:r>
+            <a:r>
+              <a:rPr lang="en-US" dirty="0">
+                <a:solidFill>
+                  <a:schemeClr val="accent4"/>
+                </a:solidFill>
+              </a:rPr>
+              <a:t>3%.</a:t>
+            </a:r>
           </a:p>
           <a:p>
             <a:pPr marL="285750" indent="-285750">
@@ -10805,12 +11037,68 @@
               <a:buChar char="•"/>
             </a:pPr>
             <a:r>
-              <a:rPr lang="en-US" sz="1600" dirty="0">
+              <a:rPr lang="en-US" dirty="0" err="1">
+                <a:solidFill>
+                  <a:schemeClr val="accent4"/>
+                </a:solidFill>
+              </a:rPr>
+              <a:t>Sqft_living</a:t>
+            </a:r>
+            <a:r>
+              <a:rPr lang="en-US" dirty="0">
+                <a:solidFill>
+                  <a:schemeClr val="accent4"/>
+                </a:solidFill>
+              </a:rPr>
+              <a:t> Feature: </a:t>
+            </a:r>
+            <a:r>
+              <a:rPr lang="en-US" dirty="0">
                 <a:solidFill>
                   <a:schemeClr val="tx1"/>
                 </a:solidFill>
               </a:rPr>
-              <a:t>Subset of homes were chosen which had space for improvement.</a:t>
+              <a:t>For every </a:t>
+            </a:r>
+            <a:r>
+              <a:rPr lang="en-US" dirty="0">
+                <a:solidFill>
+                  <a:schemeClr val="accent4"/>
+                </a:solidFill>
+              </a:rPr>
+              <a:t>1% </a:t>
+            </a:r>
+            <a:r>
+              <a:rPr lang="en-US" dirty="0">
+                <a:solidFill>
+                  <a:schemeClr val="tx1"/>
+                </a:solidFill>
+              </a:rPr>
+              <a:t>increase in the </a:t>
+            </a:r>
+            <a:r>
+              <a:rPr lang="en-US" dirty="0" err="1">
+                <a:solidFill>
+                  <a:schemeClr val="tx1"/>
+                </a:solidFill>
+              </a:rPr>
+              <a:t>sqft</a:t>
+            </a:r>
+            <a:r>
+              <a:rPr lang="en-US" dirty="0">
+                <a:solidFill>
+                  <a:schemeClr val="tx1"/>
+                </a:solidFill>
+              </a:rPr>
+              <a:t>, the home value increases by about </a:t>
+            </a:r>
+            <a:r>
+              <a:rPr lang="en-US" dirty="0">
+                <a:solidFill>
+                  <a:schemeClr val="accent4"/>
+                </a:solidFill>
+              </a:rPr>
+              <a:t>4%. </a:t>
             </a:r>
           </a:p>
           <a:p>
@@ -10821,107 +11109,6 @@
               <a:buFont typeface="Arial" panose="020B0604020202020204" pitchFamily="34" charset="0"/>
               <a:buChar char="•"/>
             </a:pPr>
-            <a:r>
-              <a:rPr lang="en-US" sz="1600" dirty="0">
-                <a:solidFill>
-                  <a:schemeClr val="tx1"/>
-                </a:solidFill>
-              </a:rPr>
-              <a:t>Dataset filtered by the top five zip codes that have the most homes with </a:t>
-            </a:r>
-          </a:p>
-          <a:p>
-            <a:pPr marL="285750" lvl="5" indent="-285750">
-              <a:buClr>
-                <a:schemeClr val="accent1"/>
-              </a:buClr>
-              <a:buFont typeface="Arial" panose="020B0604020202020204" pitchFamily="34" charset="0"/>
-              <a:buChar char="•"/>
-            </a:pPr>
-            <a:r>
-              <a:rPr lang="en-US" sz="1600" dirty="0">
-                <a:solidFill>
-                  <a:schemeClr val="tx1"/>
-                </a:solidFill>
-              </a:rPr>
-              <a:t>Data Features Modified:</a:t>
-            </a:r>
-          </a:p>
-          <a:p>
-            <a:pPr lvl="8">
-              <a:buClr>
-                <a:schemeClr val="accent1"/>
-              </a:buClr>
-            </a:pPr>
-            <a:r>
-              <a:rPr lang="en-US" sz="1600" b="1" dirty="0">
-                <a:solidFill>
-                  <a:schemeClr val="tx1"/>
-                </a:solidFill>
-              </a:rPr>
-              <a:t>    	Condition 3-Good or less  </a:t>
-            </a:r>
-            <a:r>
-              <a:rPr lang="en-US" sz="1600" b="1" dirty="0">
-                <a:solidFill>
-                  <a:schemeClr val="tx1"/>
-                </a:solidFill>
-                <a:sym typeface="Wingdings" pitchFamily="2" charset="2"/>
-              </a:rPr>
-              <a:t></a:t>
-            </a:r>
-            <a:r>
-              <a:rPr lang="en-US" sz="1600" b="1" dirty="0">
-                <a:solidFill>
-                  <a:schemeClr val="tx1"/>
-                </a:solidFill>
-              </a:rPr>
-              <a:t> 4-Good </a:t>
-            </a:r>
-          </a:p>
-          <a:p>
-            <a:pPr lvl="8">
-              <a:buClr>
-                <a:schemeClr val="accent1"/>
-              </a:buClr>
-            </a:pPr>
-            <a:r>
-              <a:rPr lang="en-US" sz="1600" b="1" dirty="0">
-                <a:solidFill>
-                  <a:schemeClr val="tx1"/>
-                </a:solidFill>
-              </a:rPr>
-              <a:t> 	Grade 6-Low Average or less </a:t>
-            </a:r>
-            <a:r>
-              <a:rPr lang="en-US" sz="1600" b="1" dirty="0">
-                <a:solidFill>
-                  <a:schemeClr val="tx1"/>
-                </a:solidFill>
-                <a:sym typeface="Wingdings" pitchFamily="2" charset="2"/>
-              </a:rPr>
-              <a:t></a:t>
-            </a:r>
-            <a:r>
-              <a:rPr lang="en-US" sz="1600" b="1" dirty="0">
-                <a:solidFill>
-                  <a:schemeClr val="tx1"/>
-                </a:solidFill>
-              </a:rPr>
-              <a:t> 8-Good </a:t>
-            </a:r>
-            <a:endParaRPr lang="en-US" sz="1600" dirty="0">
-              <a:solidFill>
-                <a:schemeClr val="tx1"/>
-              </a:solidFill>
-            </a:endParaRPr>
-          </a:p>
-          <a:p>
-            <a:pPr>
-              <a:buClr>
-                <a:schemeClr val="accent1"/>
-              </a:buClr>
-            </a:pPr>
             <a:endParaRPr lang="en-US" dirty="0">
               <a:solidFill>
                 <a:schemeClr val="tx1"/>
@@ -10936,53 +11123,181 @@
               <a:buFont typeface="Arial" panose="020B0604020202020204" pitchFamily="34" charset="0"/>
               <a:buChar char="•"/>
             </a:pPr>
+            <a:r>
+              <a:rPr lang="en-US" dirty="0">
+                <a:solidFill>
+                  <a:schemeClr val="tx1"/>
+                </a:solidFill>
+              </a:rPr>
+              <a:t>Data Features Modified  for New Predictions*:</a:t>
+            </a:r>
+          </a:p>
+          <a:p>
+            <a:pPr lvl="8">
+              <a:buClr>
+                <a:schemeClr val="accent1"/>
+              </a:buClr>
+            </a:pPr>
+            <a:r>
+              <a:rPr lang="en-US" dirty="0">
+                <a:solidFill>
+                  <a:schemeClr val="tx1"/>
+                </a:solidFill>
+              </a:rPr>
+              <a:t>	</a:t>
+            </a:r>
+            <a:r>
+              <a:rPr lang="en-US" b="1" dirty="0">
+                <a:solidFill>
+                  <a:schemeClr val="tx1"/>
+                </a:solidFill>
+              </a:rPr>
+              <a:t>	</a:t>
+            </a:r>
+          </a:p>
+          <a:p>
+            <a:pPr lvl="8">
+              <a:buClr>
+                <a:schemeClr val="accent1"/>
+              </a:buClr>
+            </a:pPr>
+            <a:r>
+              <a:rPr lang="en-US" b="1" dirty="0">
+                <a:solidFill>
+                  <a:schemeClr val="accent4"/>
+                </a:solidFill>
+              </a:rPr>
+              <a:t>	Condition: </a:t>
+            </a:r>
+            <a:r>
+              <a:rPr lang="en-US" b="1" dirty="0">
+                <a:solidFill>
+                  <a:schemeClr val="tx1"/>
+                </a:solidFill>
+              </a:rPr>
+              <a:t>3-Average or less  </a:t>
+            </a:r>
+            <a:r>
+              <a:rPr lang="en-US" b="1" dirty="0">
+                <a:solidFill>
+                  <a:schemeClr val="accent4"/>
+                </a:solidFill>
+                <a:sym typeface="Wingdings" pitchFamily="2" charset="2"/>
+              </a:rPr>
+              <a:t></a:t>
+            </a:r>
+            <a:r>
+              <a:rPr lang="en-US" b="1" dirty="0">
+                <a:solidFill>
+                  <a:schemeClr val="tx1"/>
+                </a:solidFill>
+              </a:rPr>
+              <a:t> 4-Good </a:t>
+            </a:r>
+          </a:p>
+          <a:p>
+            <a:pPr lvl="8">
+              <a:buClr>
+                <a:schemeClr val="accent1"/>
+              </a:buClr>
+            </a:pPr>
+            <a:r>
+              <a:rPr lang="en-US" b="1" dirty="0">
+                <a:solidFill>
+                  <a:schemeClr val="tx1"/>
+                </a:solidFill>
+              </a:rPr>
+              <a:t> 	</a:t>
+            </a:r>
+            <a:r>
+              <a:rPr lang="en-US" b="1" dirty="0">
+                <a:solidFill>
+                  <a:schemeClr val="accent4"/>
+                </a:solidFill>
+              </a:rPr>
+              <a:t>Grade: </a:t>
+            </a:r>
+            <a:r>
+              <a:rPr lang="en-US" b="1" dirty="0">
+                <a:solidFill>
+                  <a:schemeClr val="tx1"/>
+                </a:solidFill>
+              </a:rPr>
+              <a:t>6-Low Average or less </a:t>
+            </a:r>
+            <a:r>
+              <a:rPr lang="en-US" b="1" dirty="0">
+                <a:solidFill>
+                  <a:schemeClr val="accent4"/>
+                </a:solidFill>
+                <a:sym typeface="Wingdings" pitchFamily="2" charset="2"/>
+              </a:rPr>
+              <a:t></a:t>
+            </a:r>
+            <a:r>
+              <a:rPr lang="en-US" b="1" dirty="0">
+                <a:solidFill>
+                  <a:schemeClr val="tx1"/>
+                </a:solidFill>
+              </a:rPr>
+              <a:t> 8-Good </a:t>
+            </a:r>
+          </a:p>
+          <a:p>
+            <a:pPr lvl="8">
+              <a:buClr>
+                <a:schemeClr val="accent1"/>
+              </a:buClr>
+            </a:pPr>
+            <a:endParaRPr lang="en-US" b="1" dirty="0">
+              <a:solidFill>
+                <a:schemeClr val="tx1"/>
+              </a:solidFill>
+            </a:endParaRPr>
+          </a:p>
+          <a:p>
+            <a:pPr lvl="8">
+              <a:buClr>
+                <a:schemeClr val="accent1"/>
+              </a:buClr>
+            </a:pPr>
+            <a:r>
+              <a:rPr lang="en-US" b="1" dirty="0">
+                <a:solidFill>
+                  <a:schemeClr val="tx1"/>
+                </a:solidFill>
+              </a:rPr>
+              <a:t>	*Used </a:t>
+            </a:r>
+            <a:r>
+              <a:rPr lang="en-US" b="1" dirty="0" err="1">
+                <a:solidFill>
+                  <a:schemeClr val="tx1"/>
+                </a:solidFill>
+              </a:rPr>
+              <a:t>Zipcodes</a:t>
+            </a:r>
+            <a:r>
+              <a:rPr lang="en-US" b="1" dirty="0">
+                <a:solidFill>
+                  <a:schemeClr val="tx1"/>
+                </a:solidFill>
+              </a:rPr>
+              <a:t> to group homes</a:t>
+            </a:r>
             <a:endParaRPr lang="en-US" dirty="0">
               <a:solidFill>
                 <a:schemeClr val="tx1"/>
               </a:solidFill>
             </a:endParaRPr>
           </a:p>
-        </p:txBody>
-      </p:sp>
-      <p:sp>
-        <p:nvSpPr>
-          <p:cNvPr id="3" name="TextBox 2">
-            <a:extLst>
-              <a:ext uri="{FF2B5EF4-FFF2-40B4-BE49-F238E27FC236}">
-                <a16:creationId xmlns:a16="http://schemas.microsoft.com/office/drawing/2014/main" id="{08ADC896-F1F4-C54D-BAEA-14681EBACBF5}"/>
-              </a:ext>
-            </a:extLst>
-          </p:cNvPr>
-          <p:cNvSpPr txBox="1"/>
-          <p:nvPr/>
-        </p:nvSpPr>
-        <p:spPr>
-          <a:xfrm>
-            <a:off x="50586" y="2586700"/>
-            <a:ext cx="4857745" cy="1815882"/>
-          </a:xfrm>
-          <a:prstGeom prst="rect">
-            <a:avLst/>
-          </a:prstGeom>
-          <a:noFill/>
-        </p:spPr>
-        <p:txBody>
-          <a:bodyPr wrap="square" rtlCol="0">
-            <a:spAutoFit/>
-          </a:bodyPr>
-          <a:lstStyle/>
-          <a:p>
-            <a:r>
-              <a:rPr lang="en-US" sz="1600" b="1" dirty="0">
-                <a:solidFill>
-                  <a:schemeClr val="tx1"/>
-                </a:solidFill>
-              </a:rPr>
-              <a:t>Average home value differences :</a:t>
-            </a:r>
-          </a:p>
-          <a:p>
-            <a:endParaRPr lang="en-US" sz="1600" dirty="0">
+          <a:p>
+            <a:pPr>
+              <a:buClr>
+                <a:schemeClr val="accent1"/>
+              </a:buClr>
+            </a:pPr>
+            <a:endParaRPr lang="en-US" dirty="0">
               <a:solidFill>
                 <a:schemeClr val="tx1"/>
               </a:solidFill>
@@ -10996,222 +11311,11 @@
               <a:buFont typeface="Arial" panose="020B0604020202020204" pitchFamily="34" charset="0"/>
               <a:buChar char="•"/>
             </a:pPr>
-            <a:r>
-              <a:rPr lang="en-US" sz="1600" dirty="0" err="1">
-                <a:solidFill>
-                  <a:schemeClr val="tx1"/>
-                </a:solidFill>
-              </a:rPr>
-              <a:t>Zipcode</a:t>
-            </a:r>
-            <a:r>
-              <a:rPr lang="en-US" sz="1600" dirty="0">
-                <a:solidFill>
-                  <a:schemeClr val="tx1"/>
-                </a:solidFill>
-              </a:rPr>
-              <a:t> 98118: $ 323,500, %100 Increase</a:t>
-            </a:r>
-          </a:p>
-          <a:p>
-            <a:pPr marL="285750" indent="-285750">
-              <a:buClr>
-                <a:schemeClr val="accent1"/>
-              </a:buClr>
-              <a:buFont typeface="Arial" panose="020B0604020202020204" pitchFamily="34" charset="0"/>
-              <a:buChar char="•"/>
-            </a:pPr>
-            <a:r>
-              <a:rPr lang="en-US" sz="1600" dirty="0" err="1">
-                <a:solidFill>
-                  <a:schemeClr val="tx1"/>
-                </a:solidFill>
-              </a:rPr>
-              <a:t>Zipcode</a:t>
-            </a:r>
-            <a:r>
-              <a:rPr lang="en-US" sz="1600" dirty="0">
-                <a:solidFill>
-                  <a:schemeClr val="tx1"/>
-                </a:solidFill>
-              </a:rPr>
-              <a:t> 98106: $ 304,100, %100 Increase</a:t>
-            </a:r>
-          </a:p>
-          <a:p>
-            <a:pPr marL="285750" indent="-285750">
-              <a:buClr>
-                <a:schemeClr val="accent1"/>
-              </a:buClr>
-              <a:buFont typeface="Arial" panose="020B0604020202020204" pitchFamily="34" charset="0"/>
-              <a:buChar char="•"/>
-            </a:pPr>
-            <a:r>
-              <a:rPr lang="en-US" sz="1600" dirty="0" err="1">
-                <a:solidFill>
-                  <a:schemeClr val="tx1"/>
-                </a:solidFill>
-              </a:rPr>
-              <a:t>Zipcode</a:t>
-            </a:r>
-            <a:r>
-              <a:rPr lang="en-US" sz="1600" dirty="0">
-                <a:solidFill>
-                  <a:schemeClr val="tx1"/>
-                </a:solidFill>
-              </a:rPr>
-              <a:t> 98126: $ 266,500, %100 Increase</a:t>
-            </a:r>
-          </a:p>
-          <a:p>
-            <a:pPr marL="285750" indent="-285750">
-              <a:buClr>
-                <a:schemeClr val="accent1"/>
-              </a:buClr>
-              <a:buFont typeface="Arial" panose="020B0604020202020204" pitchFamily="34" charset="0"/>
-              <a:buChar char="•"/>
-            </a:pPr>
-            <a:r>
-              <a:rPr lang="en-US" sz="1600" dirty="0" err="1">
-                <a:solidFill>
-                  <a:schemeClr val="tx1"/>
-                </a:solidFill>
-              </a:rPr>
-              <a:t>Zipcode</a:t>
-            </a:r>
-            <a:r>
-              <a:rPr lang="en-US" sz="1600" dirty="0">
-                <a:solidFill>
-                  <a:schemeClr val="tx1"/>
-                </a:solidFill>
-              </a:rPr>
-              <a:t> 98146: $ 324,300, %200 Increase</a:t>
-            </a:r>
-          </a:p>
-          <a:p>
-            <a:pPr marL="285750" indent="-285750">
-              <a:buClr>
-                <a:schemeClr val="accent1"/>
-              </a:buClr>
-              <a:buFont typeface="Arial" panose="020B0604020202020204" pitchFamily="34" charset="0"/>
-              <a:buChar char="•"/>
-            </a:pPr>
-            <a:r>
-              <a:rPr lang="en-US" sz="1600" dirty="0" err="1">
-                <a:solidFill>
-                  <a:schemeClr val="tx1"/>
-                </a:solidFill>
-              </a:rPr>
-              <a:t>Zipcode</a:t>
-            </a:r>
-            <a:r>
-              <a:rPr lang="en-US" sz="1600" dirty="0">
-                <a:solidFill>
-                  <a:schemeClr val="tx1"/>
-                </a:solidFill>
-              </a:rPr>
-              <a:t> 98168: $340,300, %200 Increase</a:t>
-            </a:r>
-          </a:p>
-        </p:txBody>
-      </p:sp>
-      <p:sp>
-        <p:nvSpPr>
-          <p:cNvPr id="4" name="TextBox 3">
-            <a:extLst>
-              <a:ext uri="{FF2B5EF4-FFF2-40B4-BE49-F238E27FC236}">
-                <a16:creationId xmlns:a16="http://schemas.microsoft.com/office/drawing/2014/main" id="{D6E4D704-FB49-2B47-98E6-73E63C950099}"/>
-              </a:ext>
-            </a:extLst>
-          </p:cNvPr>
-          <p:cNvSpPr txBox="1"/>
-          <p:nvPr/>
-        </p:nvSpPr>
-        <p:spPr>
-          <a:xfrm>
-            <a:off x="4694513" y="2586700"/>
-            <a:ext cx="4656083" cy="1077218"/>
-          </a:xfrm>
-          <a:prstGeom prst="rect">
-            <a:avLst/>
-          </a:prstGeom>
-          <a:noFill/>
-        </p:spPr>
-        <p:txBody>
-          <a:bodyPr wrap="square" rtlCol="0">
-            <a:spAutoFit/>
-          </a:bodyPr>
-          <a:lstStyle/>
-          <a:p>
-            <a:r>
-              <a:rPr lang="en-US" sz="1600" b="1" dirty="0" err="1">
-                <a:solidFill>
-                  <a:schemeClr val="tx1"/>
-                </a:solidFill>
-              </a:rPr>
-              <a:t>Zipcode</a:t>
-            </a:r>
-            <a:r>
-              <a:rPr lang="en-US" sz="1600" b="1" dirty="0">
-                <a:solidFill>
-                  <a:schemeClr val="tx1"/>
-                </a:solidFill>
-              </a:rPr>
-              <a:t> 98188 home value differences</a:t>
-            </a:r>
-            <a:r>
-              <a:rPr lang="en-US" sz="1600" dirty="0">
-                <a:solidFill>
-                  <a:schemeClr val="tx1"/>
-                </a:solidFill>
-              </a:rPr>
-              <a:t>:</a:t>
-            </a:r>
-          </a:p>
-          <a:p>
-            <a:pPr marL="285750" indent="-285750">
-              <a:buFont typeface="Arial" panose="020B0604020202020204" pitchFamily="34" charset="0"/>
-              <a:buChar char="•"/>
-            </a:pPr>
-            <a:endParaRPr lang="en-US" sz="1600" dirty="0">
+            <a:endParaRPr lang="en-US" dirty="0">
               <a:solidFill>
                 <a:schemeClr val="tx1"/>
               </a:solidFill>
             </a:endParaRPr>
-          </a:p>
-          <a:p>
-            <a:pPr marL="285750" indent="-285750">
-              <a:buClr>
-                <a:schemeClr val="accent1"/>
-              </a:buClr>
-              <a:buFont typeface="Arial" panose="020B0604020202020204" pitchFamily="34" charset="0"/>
-              <a:buChar char="•"/>
-            </a:pPr>
-            <a:r>
-              <a:rPr lang="en-US" sz="1600" dirty="0">
-                <a:solidFill>
-                  <a:schemeClr val="tx1"/>
-                </a:solidFill>
-              </a:rPr>
-              <a:t>Lowest $14,500 Increase*</a:t>
-            </a:r>
-          </a:p>
-          <a:p>
-            <a:pPr marL="285750" indent="-285750">
-              <a:buClr>
-                <a:schemeClr val="accent1"/>
-              </a:buClr>
-              <a:buFont typeface="Arial" panose="020B0604020202020204" pitchFamily="34" charset="0"/>
-              <a:buChar char="•"/>
-            </a:pPr>
-            <a:r>
-              <a:rPr lang="en-US" sz="1600" dirty="0">
-                <a:solidFill>
-                  <a:schemeClr val="tx1"/>
-                </a:solidFill>
-              </a:rPr>
-              <a:t>Highest $624,000 Increase</a:t>
-            </a:r>
           </a:p>
         </p:txBody>
       </p:sp>
@@ -11252,8 +11356,8 @@
         </p:nvSpPr>
         <p:spPr>
           <a:xfrm>
-            <a:off x="-84667" y="89116"/>
-            <a:ext cx="2764805" cy="1863835"/>
+            <a:off x="1355250" y="0"/>
+            <a:ext cx="6243729" cy="578069"/>
           </a:xfrm>
           <a:prstGeom prst="rect">
             <a:avLst/>
@@ -11275,123 +11379,27 @@
               <a:buNone/>
             </a:pPr>
             <a:r>
+              <a:rPr lang="en" sz="2800" dirty="0"/>
+              <a:t>Top 5 </a:t>
+            </a:r>
+            <a:r>
               <a:rPr lang="en" sz="2800" dirty="0" err="1"/>
               <a:t>Zipcode</a:t>
             </a:r>
             <a:r>
               <a:rPr lang="en" sz="2800" dirty="0"/>
-              <a:t> 98118</a:t>
+              <a:t> Averages</a:t>
             </a:r>
             <a:endParaRPr sz="2800" dirty="0"/>
           </a:p>
         </p:txBody>
       </p:sp>
-      <p:sp>
-        <p:nvSpPr>
-          <p:cNvPr id="10" name="TextBox 9">
+      <p:pic>
+        <p:nvPicPr>
+          <p:cNvPr id="3" name="Picture 2">
             <a:extLst>
               <a:ext uri="{FF2B5EF4-FFF2-40B4-BE49-F238E27FC236}">
-                <a16:creationId xmlns:a16="http://schemas.microsoft.com/office/drawing/2014/main" id="{8B35EB53-FA7F-7442-A1BC-48B8403ED330}"/>
-              </a:ext>
-            </a:extLst>
-          </p:cNvPr>
-          <p:cNvSpPr txBox="1"/>
-          <p:nvPr/>
-        </p:nvSpPr>
-        <p:spPr>
-          <a:xfrm>
-            <a:off x="-156118" y="1658640"/>
-            <a:ext cx="2647069" cy="2008242"/>
-          </a:xfrm>
-          <a:prstGeom prst="rect">
-            <a:avLst/>
-          </a:prstGeom>
-          <a:noFill/>
-        </p:spPr>
-        <p:txBody>
-          <a:bodyPr wrap="square" rtlCol="0">
-            <a:spAutoFit/>
-          </a:bodyPr>
-          <a:lstStyle/>
-          <a:p>
-            <a:pPr marL="457200" indent="-342900" algn="ctr" defTabSz="342900">
-              <a:lnSpc>
-                <a:spcPct val="150000"/>
-              </a:lnSpc>
-              <a:buClr>
-                <a:schemeClr val="accent1"/>
-              </a:buClr>
-              <a:buSzPts val="1800"/>
-              <a:buFont typeface="Arial" panose="020B0604020202020204" pitchFamily="34" charset="0"/>
-              <a:buChar char="•"/>
-            </a:pPr>
-            <a:r>
-              <a:rPr lang="en-US" sz="1600" kern="1200" dirty="0">
-                <a:solidFill>
-                  <a:schemeClr val="tx1"/>
-                </a:solidFill>
-                <a:latin typeface="Arial" panose="020B0604020202020204" pitchFamily="34" charset="0"/>
-                <a:ea typeface="+mn-ea"/>
-                <a:cs typeface="Arial" panose="020B0604020202020204" pitchFamily="34" charset="0"/>
-              </a:rPr>
-              <a:t>Displaying 10 of 106 entries meeting criteria</a:t>
-            </a:r>
-          </a:p>
-          <a:p>
-            <a:pPr marL="114300" algn="ctr" defTabSz="342900">
-              <a:lnSpc>
-                <a:spcPct val="150000"/>
-              </a:lnSpc>
-              <a:buClr>
-                <a:schemeClr val="accent1"/>
-              </a:buClr>
-              <a:buSzPts val="1800"/>
-            </a:pPr>
-            <a:endParaRPr lang="en-US" sz="1350" kern="1200" dirty="0">
-              <a:solidFill>
-                <a:schemeClr val="tx1"/>
-              </a:solidFill>
-              <a:latin typeface="+mn-lt"/>
-              <a:ea typeface="+mn-ea"/>
-              <a:cs typeface="+mn-cs"/>
-            </a:endParaRPr>
-          </a:p>
-          <a:p>
-            <a:pPr marL="114300" defTabSz="342900">
-              <a:lnSpc>
-                <a:spcPct val="150000"/>
-              </a:lnSpc>
-              <a:buClr>
-                <a:schemeClr val="accent1"/>
-              </a:buClr>
-              <a:buSzPts val="1800"/>
-            </a:pPr>
-            <a:endParaRPr lang="en-US" sz="1350" kern="1200" dirty="0">
-              <a:solidFill>
-                <a:schemeClr val="tx1"/>
-              </a:solidFill>
-              <a:latin typeface="+mn-lt"/>
-              <a:ea typeface="+mn-ea"/>
-              <a:cs typeface="+mn-cs"/>
-            </a:endParaRPr>
-          </a:p>
-          <a:p>
-            <a:endParaRPr lang="en-US" sz="1200" dirty="0">
-              <a:solidFill>
-                <a:schemeClr val="tx1">
-                  <a:lumMod val="95000"/>
-                </a:schemeClr>
-              </a:solidFill>
-            </a:endParaRPr>
-          </a:p>
-        </p:txBody>
-      </p:sp>
-      <p:pic>
-        <p:nvPicPr>
-          <p:cNvPr id="4" name="Picture 3">
-            <a:extLst>
-              <a:ext uri="{FF2B5EF4-FFF2-40B4-BE49-F238E27FC236}">
-                <a16:creationId xmlns:a16="http://schemas.microsoft.com/office/drawing/2014/main" id="{1679400C-6FFE-7944-B833-18A05B8F7572}"/>
+                <a16:creationId xmlns:a16="http://schemas.microsoft.com/office/drawing/2014/main" id="{DAB67A00-2DC4-854C-BCD3-5D5AB6E877ED}"/>
               </a:ext>
             </a:extLst>
           </p:cNvPr>
@@ -11408,18 +11416,229 @@
         </p:blipFill>
         <p:spPr>
           <a:xfrm>
-            <a:off x="2585545" y="4449"/>
-            <a:ext cx="6558455" cy="5143500"/>
+            <a:off x="3790604" y="578068"/>
+            <a:ext cx="5353396" cy="4565431"/>
           </a:xfrm>
           <a:prstGeom prst="rect">
             <a:avLst/>
           </a:prstGeom>
         </p:spPr>
       </p:pic>
+      <p:sp>
+        <p:nvSpPr>
+          <p:cNvPr id="5" name="TextBox 4">
+            <a:extLst>
+              <a:ext uri="{FF2B5EF4-FFF2-40B4-BE49-F238E27FC236}">
+                <a16:creationId xmlns:a16="http://schemas.microsoft.com/office/drawing/2014/main" id="{9516D2E5-77AE-E146-B340-F17501AEFB5B}"/>
+              </a:ext>
+            </a:extLst>
+          </p:cNvPr>
+          <p:cNvSpPr txBox="1"/>
+          <p:nvPr/>
+        </p:nvSpPr>
+        <p:spPr>
+          <a:xfrm>
+            <a:off x="0" y="1740753"/>
+            <a:ext cx="3923607" cy="1661993"/>
+          </a:xfrm>
+          <a:prstGeom prst="rect">
+            <a:avLst/>
+          </a:prstGeom>
+          <a:noFill/>
+        </p:spPr>
+        <p:txBody>
+          <a:bodyPr wrap="square" rtlCol="0">
+            <a:spAutoFit/>
+          </a:bodyPr>
+          <a:lstStyle/>
+          <a:p>
+            <a:r>
+              <a:rPr lang="en-US" sz="1600" b="1" dirty="0">
+                <a:solidFill>
+                  <a:schemeClr val="tx1"/>
+                </a:solidFill>
+              </a:rPr>
+              <a:t>Average home value differences :</a:t>
+            </a:r>
+          </a:p>
+          <a:p>
+            <a:endParaRPr lang="en-US" sz="1600" dirty="0">
+              <a:solidFill>
+                <a:schemeClr val="tx1"/>
+              </a:solidFill>
+            </a:endParaRPr>
+          </a:p>
+          <a:p>
+            <a:pPr marL="285750" indent="-285750">
+              <a:buClr>
+                <a:schemeClr val="accent1"/>
+              </a:buClr>
+              <a:buFont typeface="Arial" panose="020B0604020202020204" pitchFamily="34" charset="0"/>
+              <a:buChar char="•"/>
+            </a:pPr>
+            <a:r>
+              <a:rPr lang="en-US" dirty="0" err="1">
+                <a:solidFill>
+                  <a:schemeClr val="accent4"/>
+                </a:solidFill>
+              </a:rPr>
+              <a:t>Zipcode</a:t>
+            </a:r>
+            <a:r>
+              <a:rPr lang="en-US" dirty="0">
+                <a:solidFill>
+                  <a:schemeClr val="accent4"/>
+                </a:solidFill>
+              </a:rPr>
+              <a:t> 98118: </a:t>
+            </a:r>
+            <a:r>
+              <a:rPr lang="en-US" dirty="0">
+                <a:solidFill>
+                  <a:schemeClr val="tx1"/>
+                </a:solidFill>
+              </a:rPr>
+              <a:t>$ 323,500, 100% Increase</a:t>
+            </a:r>
+          </a:p>
+          <a:p>
+            <a:pPr marL="285750" indent="-285750">
+              <a:buClr>
+                <a:schemeClr val="accent1"/>
+              </a:buClr>
+              <a:buFont typeface="Arial" panose="020B0604020202020204" pitchFamily="34" charset="0"/>
+              <a:buChar char="•"/>
+            </a:pPr>
+            <a:r>
+              <a:rPr lang="en-US" dirty="0" err="1">
+                <a:solidFill>
+                  <a:schemeClr val="accent4"/>
+                </a:solidFill>
+              </a:rPr>
+              <a:t>Zipcode</a:t>
+            </a:r>
+            <a:r>
+              <a:rPr lang="en-US" dirty="0">
+                <a:solidFill>
+                  <a:schemeClr val="accent4"/>
+                </a:solidFill>
+              </a:rPr>
+              <a:t> 98106: </a:t>
+            </a:r>
+            <a:r>
+              <a:rPr lang="en-US" dirty="0">
+                <a:solidFill>
+                  <a:schemeClr val="tx1"/>
+                </a:solidFill>
+              </a:rPr>
+              <a:t>$ 304,100, 100% Increase</a:t>
+            </a:r>
+          </a:p>
+          <a:p>
+            <a:pPr marL="285750" indent="-285750">
+              <a:buClr>
+                <a:schemeClr val="accent1"/>
+              </a:buClr>
+              <a:buFont typeface="Arial" panose="020B0604020202020204" pitchFamily="34" charset="0"/>
+              <a:buChar char="•"/>
+            </a:pPr>
+            <a:r>
+              <a:rPr lang="en-US" dirty="0" err="1">
+                <a:solidFill>
+                  <a:schemeClr val="accent4"/>
+                </a:solidFill>
+              </a:rPr>
+              <a:t>Zipcode</a:t>
+            </a:r>
+            <a:r>
+              <a:rPr lang="en-US" dirty="0">
+                <a:solidFill>
+                  <a:schemeClr val="accent4"/>
+                </a:solidFill>
+              </a:rPr>
+              <a:t> 98126: </a:t>
+            </a:r>
+            <a:r>
+              <a:rPr lang="en-US" dirty="0">
+                <a:solidFill>
+                  <a:schemeClr val="tx1"/>
+                </a:solidFill>
+              </a:rPr>
+              <a:t>$ 266,500, 100% Increase</a:t>
+            </a:r>
+          </a:p>
+          <a:p>
+            <a:pPr marL="285750" indent="-285750">
+              <a:buClr>
+                <a:schemeClr val="accent1"/>
+              </a:buClr>
+              <a:buFont typeface="Arial" panose="020B0604020202020204" pitchFamily="34" charset="0"/>
+              <a:buChar char="•"/>
+            </a:pPr>
+            <a:r>
+              <a:rPr lang="en-US" dirty="0" err="1">
+                <a:solidFill>
+                  <a:schemeClr val="accent4"/>
+                </a:solidFill>
+              </a:rPr>
+              <a:t>Zipcode</a:t>
+            </a:r>
+            <a:r>
+              <a:rPr lang="en-US" dirty="0">
+                <a:solidFill>
+                  <a:schemeClr val="accent4"/>
+                </a:solidFill>
+              </a:rPr>
+              <a:t> 98146: </a:t>
+            </a:r>
+            <a:r>
+              <a:rPr lang="en-US" dirty="0">
+                <a:solidFill>
+                  <a:schemeClr val="tx1"/>
+                </a:solidFill>
+              </a:rPr>
+              <a:t>$ 324,300, 200% Increase</a:t>
+            </a:r>
+          </a:p>
+          <a:p>
+            <a:pPr marL="285750" indent="-285750">
+              <a:buClr>
+                <a:schemeClr val="accent1"/>
+              </a:buClr>
+              <a:buFont typeface="Arial" panose="020B0604020202020204" pitchFamily="34" charset="0"/>
+              <a:buChar char="•"/>
+            </a:pPr>
+            <a:r>
+              <a:rPr lang="en-US" dirty="0" err="1">
+                <a:solidFill>
+                  <a:schemeClr val="accent4"/>
+                </a:solidFill>
+              </a:rPr>
+              <a:t>Zipcode</a:t>
+            </a:r>
+            <a:r>
+              <a:rPr lang="en-US" dirty="0">
+                <a:solidFill>
+                  <a:schemeClr val="accent4"/>
+                </a:solidFill>
+              </a:rPr>
+              <a:t> 98168: </a:t>
+            </a:r>
+            <a:r>
+              <a:rPr lang="en-US" dirty="0">
+                <a:solidFill>
+                  <a:schemeClr val="tx1"/>
+                </a:solidFill>
+              </a:rPr>
+              <a:t>$340,300,  200% Increase</a:t>
+            </a:r>
+          </a:p>
+        </p:txBody>
+      </p:sp>
     </p:spTree>
     <p:extLst>
       <p:ext uri="{BB962C8B-B14F-4D97-AF65-F5344CB8AC3E}">
-        <p14:creationId xmlns:p14="http://schemas.microsoft.com/office/powerpoint/2010/main" val="233727813"/>
+        <p14:creationId xmlns:p14="http://schemas.microsoft.com/office/powerpoint/2010/main" val="4095552796"/>
       </p:ext>
     </p:extLst>
   </p:cSld>
@@ -11458,8 +11677,8 @@
         </p:nvSpPr>
         <p:spPr>
           <a:xfrm>
-            <a:off x="1355250" y="0"/>
-            <a:ext cx="6243729" cy="578069"/>
+            <a:off x="1270308" y="0"/>
+            <a:ext cx="5712383" cy="376397"/>
           </a:xfrm>
           <a:prstGeom prst="rect">
             <a:avLst/>
@@ -11481,16 +11700,12 @@
               <a:buNone/>
             </a:pPr>
             <a:r>
-              <a:rPr lang="en" sz="2800" dirty="0"/>
-              <a:t>Top 5 </a:t>
-            </a:r>
-            <a:r>
               <a:rPr lang="en" sz="2800" dirty="0" err="1"/>
               <a:t>Zipcode</a:t>
             </a:r>
             <a:r>
               <a:rPr lang="en" sz="2800" dirty="0"/>
-              <a:t> Averages</a:t>
+              <a:t> 98118</a:t>
             </a:r>
             <a:endParaRPr sz="2800" dirty="0"/>
           </a:p>
@@ -11498,10 +11713,10 @@
       </p:sp>
       <p:pic>
         <p:nvPicPr>
-          <p:cNvPr id="3" name="Picture 2">
+          <p:cNvPr id="4" name="Picture 3">
             <a:extLst>
               <a:ext uri="{FF2B5EF4-FFF2-40B4-BE49-F238E27FC236}">
-                <a16:creationId xmlns:a16="http://schemas.microsoft.com/office/drawing/2014/main" id="{DAB67A00-2DC4-854C-BCD3-5D5AB6E877ED}"/>
+                <a16:creationId xmlns:a16="http://schemas.microsoft.com/office/drawing/2014/main" id="{1679400C-6FFE-7944-B833-18A05B8F7572}"/>
               </a:ext>
             </a:extLst>
           </p:cNvPr>
@@ -11518,18 +11733,134 @@
         </p:blipFill>
         <p:spPr>
           <a:xfrm>
-            <a:off x="0" y="578068"/>
-            <a:ext cx="9144000" cy="4565431"/>
+            <a:off x="3449782" y="584441"/>
+            <a:ext cx="5694218" cy="4563507"/>
           </a:xfrm>
           <a:prstGeom prst="rect">
             <a:avLst/>
           </a:prstGeom>
         </p:spPr>
       </p:pic>
+      <p:sp>
+        <p:nvSpPr>
+          <p:cNvPr id="5" name="TextBox 4">
+            <a:extLst>
+              <a:ext uri="{FF2B5EF4-FFF2-40B4-BE49-F238E27FC236}">
+                <a16:creationId xmlns:a16="http://schemas.microsoft.com/office/drawing/2014/main" id="{B327C94C-A114-D44F-A015-86D10698FC0F}"/>
+              </a:ext>
+            </a:extLst>
+          </p:cNvPr>
+          <p:cNvSpPr txBox="1"/>
+          <p:nvPr/>
+        </p:nvSpPr>
+        <p:spPr>
+          <a:xfrm>
+            <a:off x="0" y="1494532"/>
+            <a:ext cx="3549535" cy="954107"/>
+          </a:xfrm>
+          <a:prstGeom prst="rect">
+            <a:avLst/>
+          </a:prstGeom>
+          <a:noFill/>
+        </p:spPr>
+        <p:txBody>
+          <a:bodyPr wrap="square" rtlCol="0">
+            <a:spAutoFit/>
+          </a:bodyPr>
+          <a:lstStyle/>
+          <a:p>
+            <a:r>
+              <a:rPr lang="en-US" b="1" dirty="0" err="1">
+                <a:solidFill>
+                  <a:schemeClr val="tx1"/>
+                </a:solidFill>
+              </a:rPr>
+              <a:t>Zipcode</a:t>
+            </a:r>
+            <a:r>
+              <a:rPr lang="en-US" b="1" dirty="0">
+                <a:solidFill>
+                  <a:schemeClr val="tx1"/>
+                </a:solidFill>
+              </a:rPr>
+              <a:t> 98188 home value differences</a:t>
+            </a:r>
+            <a:r>
+              <a:rPr lang="en-US" dirty="0">
+                <a:solidFill>
+                  <a:schemeClr val="tx1"/>
+                </a:solidFill>
+              </a:rPr>
+              <a:t>:</a:t>
+            </a:r>
+          </a:p>
+          <a:p>
+            <a:pPr marL="285750" indent="-285750">
+              <a:buFont typeface="Arial" panose="020B0604020202020204" pitchFamily="34" charset="0"/>
+              <a:buChar char="•"/>
+            </a:pPr>
+            <a:endParaRPr lang="en-US" dirty="0">
+              <a:solidFill>
+                <a:schemeClr val="tx1"/>
+              </a:solidFill>
+            </a:endParaRPr>
+          </a:p>
+          <a:p>
+            <a:pPr marL="285750" indent="-285750">
+              <a:buClr>
+                <a:schemeClr val="accent1"/>
+              </a:buClr>
+              <a:buFont typeface="Arial" panose="020B0604020202020204" pitchFamily="34" charset="0"/>
+              <a:buChar char="•"/>
+            </a:pPr>
+            <a:r>
+              <a:rPr lang="en-US" dirty="0">
+                <a:solidFill>
+                  <a:schemeClr val="accent4"/>
+                </a:solidFill>
+              </a:rPr>
+              <a:t>Lowest: </a:t>
+            </a:r>
+            <a:r>
+              <a:rPr lang="en-US" dirty="0">
+                <a:solidFill>
+                  <a:schemeClr val="tx1"/>
+                </a:solidFill>
+              </a:rPr>
+              <a:t>$14,500 Increase</a:t>
+            </a:r>
+          </a:p>
+          <a:p>
+            <a:pPr marL="285750" indent="-285750">
+              <a:buClr>
+                <a:schemeClr val="accent1"/>
+              </a:buClr>
+              <a:buFont typeface="Arial" panose="020B0604020202020204" pitchFamily="34" charset="0"/>
+              <a:buChar char="•"/>
+            </a:pPr>
+            <a:r>
+              <a:rPr lang="en-US" dirty="0">
+                <a:solidFill>
+                  <a:schemeClr val="accent4"/>
+                </a:solidFill>
+              </a:rPr>
+              <a:t>Highest: </a:t>
+            </a:r>
+            <a:r>
+              <a:rPr lang="en-US" dirty="0">
+                <a:solidFill>
+                  <a:schemeClr val="tx1"/>
+                </a:solidFill>
+              </a:rPr>
+              <a:t>$624,000 Increase</a:t>
+            </a:r>
+          </a:p>
+        </p:txBody>
+      </p:sp>
     </p:spTree>
     <p:extLst>
       <p:ext uri="{BB962C8B-B14F-4D97-AF65-F5344CB8AC3E}">
-        <p14:creationId xmlns:p14="http://schemas.microsoft.com/office/powerpoint/2010/main" val="4095552796"/>
+        <p14:creationId xmlns:p14="http://schemas.microsoft.com/office/powerpoint/2010/main" val="233727813"/>
       </p:ext>
     </p:extLst>
   </p:cSld>
@@ -11632,7 +11963,10 @@
               <a:buChar char="•"/>
             </a:pPr>
             <a:r>
-              <a:rPr lang="en-US" sz="1800" dirty="0">
+              <a:rPr lang="en-US" sz="1800" b="1" dirty="0">
+                <a:solidFill>
+                  <a:schemeClr val="accent4"/>
+                </a:solidFill>
                 <a:latin typeface="Arial" panose="020B0604020202020204" pitchFamily="34" charset="0"/>
                 <a:cs typeface="Arial" panose="020B0604020202020204" pitchFamily="34" charset="0"/>
               </a:rPr>
@@ -11649,6 +11983,9 @@
             </a:pPr>
             <a:r>
               <a:rPr lang="en-US" sz="1800" b="1" dirty="0">
+                <a:solidFill>
+                  <a:schemeClr val="accent4"/>
+                </a:solidFill>
                 <a:latin typeface="Arial" panose="020B0604020202020204" pitchFamily="34" charset="0"/>
                 <a:cs typeface="Arial" panose="020B0604020202020204" pitchFamily="34" charset="0"/>
               </a:rPr>
@@ -11665,6 +12002,9 @@
             </a:pPr>
             <a:r>
               <a:rPr lang="en-US" sz="1800" b="1" dirty="0">
+                <a:solidFill>
+                  <a:schemeClr val="accent4"/>
+                </a:solidFill>
                 <a:latin typeface="Arial" panose="020B0604020202020204" pitchFamily="34" charset="0"/>
                 <a:cs typeface="Arial" panose="020B0604020202020204" pitchFamily="34" charset="0"/>
               </a:rPr>
